--- a/Kitchen_Assist_Workflow_CN.pptx
+++ b/Kitchen_Assist_Workflow_CN.pptx
@@ -1,18 +1,18 @@
 
 <file path=ppt/presentation.xml><?xml version="1.0" encoding="utf-8"?>
-<p:presentation xmlns:a="http://schemas.openxmlformats.org/drawingml/2006/main" xmlns:r="http://schemas.openxmlformats.org/officeDocument/2006/relationships" xmlns:p="http://schemas.openxmlformats.org/presentationml/2006/main" saveSubsetFonts="1" autoCompressPictures="0">
+<p:presentation xmlns:a="http://schemas.openxmlformats.org/drawingml/2006/main" xmlns:r="http://schemas.openxmlformats.org/officeDocument/2006/relationships" xmlns:p="http://schemas.openxmlformats.org/presentationml/2006/main" autoCompressPictures="0">
   <p:sldMasterIdLst>
     <p:sldMasterId id="2147483648" r:id="rId1"/>
   </p:sldMasterIdLst>
   <p:sldIdLst>
-    <p:sldId id="256" r:id="rId7"/>
-    <p:sldId id="257" r:id="rId8"/>
-    <p:sldId id="258" r:id="rId9"/>
-    <p:sldId id="259" r:id="rId10"/>
-    <p:sldId id="260" r:id="rId11"/>
-    <p:sldId id="261" r:id="rId12"/>
+    <p:sldId id="256" r:id="rId3"/>
+    <p:sldId id="257" r:id="rId4"/>
+    <p:sldId id="258" r:id="rId5"/>
+    <p:sldId id="259" r:id="rId6"/>
+    <p:sldId id="262" r:id="rId7"/>
+    <p:sldId id="261" r:id="rId8"/>
   </p:sldIdLst>
-  <p:sldSz cx="12188952" cy="6858000" type="screen4x3"/>
+  <p:sldSz cx="12188825" cy="6858000" type="screen4x3"/>
   <p:notesSz cx="6858000" cy="9144000"/>
   <p:defaultTextStyle>
     <a:defPPr>
@@ -109,6 +109,22 @@
       </a:defRPr>
     </a:lvl9pPr>
   </p:defaultTextStyle>
+  <p:extLst>
+    <p:ext uri="{EFAFB233-063F-42B5-8137-9DF3F51BA10A}">
+      <p15:sldGuideLst xmlns:p15="http://schemas.microsoft.com/office/powerpoint/2012/main">
+        <p15:guide id="1" orient="horz" pos="2160" userDrawn="1">
+          <p15:clr>
+            <a:srgbClr val="A4A3A4"/>
+          </p15:clr>
+        </p15:guide>
+        <p15:guide id="2" pos="2880" userDrawn="1">
+          <p15:clr>
+            <a:srgbClr val="A4A3A4"/>
+          </p15:clr>
+        </p15:guide>
+      </p15:sldGuideLst>
+    </p:ext>
+  </p:extLst>
 </p:presentation>
 </file>
 
@@ -293,7 +309,6 @@
           <a:p>
             <a:fld id="{5BCAD085-E8A6-8845-BD4E-CB4CCA059FC4}" type="datetimeFigureOut">
               <a:rPr lang="en-US" smtClean="0"/>
-              <a:t>1/27/13</a:t>
             </a:fld>
             <a:endParaRPr lang="en-US"/>
           </a:p>
@@ -335,18 +350,12 @@
           <a:p>
             <a:fld id="{C1FF6DA9-008F-8B48-92A6-B652298478BF}" type="slidenum">
               <a:rPr lang="en-US" smtClean="0"/>
-              <a:t>‹#›</a:t>
             </a:fld>
             <a:endParaRPr lang="en-US"/>
           </a:p>
         </p:txBody>
       </p:sp>
     </p:spTree>
-    <p:extLst>
-      <p:ext uri="{BB962C8B-B14F-4D97-AF65-F5344CB8AC3E}">
-        <p14:creationId xmlns:p14="http://schemas.microsoft.com/office/powerpoint/2010/main" val="3168075583"/>
-      </p:ext>
-    </p:extLst>
   </p:cSld>
   <p:clrMapOvr>
     <a:masterClrMapping/>
@@ -414,6 +423,7 @@
               <a:rPr lang="en-US" smtClean="0"/>
               <a:t>Click to edit Master text styles</a:t>
             </a:r>
+            <a:endParaRPr lang="en-US" smtClean="0"/>
           </a:p>
           <a:p>
             <a:pPr lvl="1"/>
@@ -421,6 +431,7 @@
               <a:rPr lang="en-US" smtClean="0"/>
               <a:t>Second level</a:t>
             </a:r>
+            <a:endParaRPr lang="en-US" smtClean="0"/>
           </a:p>
           <a:p>
             <a:pPr lvl="2"/>
@@ -428,6 +439,7 @@
               <a:rPr lang="en-US" smtClean="0"/>
               <a:t>Third level</a:t>
             </a:r>
+            <a:endParaRPr lang="en-US" smtClean="0"/>
           </a:p>
           <a:p>
             <a:pPr lvl="3"/>
@@ -435,6 +447,7 @@
               <a:rPr lang="en-US" smtClean="0"/>
               <a:t>Fourth level</a:t>
             </a:r>
+            <a:endParaRPr lang="en-US" smtClean="0"/>
           </a:p>
           <a:p>
             <a:pPr lvl="4"/>
@@ -463,7 +476,6 @@
           <a:p>
             <a:fld id="{5BCAD085-E8A6-8845-BD4E-CB4CCA059FC4}" type="datetimeFigureOut">
               <a:rPr lang="en-US" smtClean="0"/>
-              <a:t>1/27/13</a:t>
             </a:fld>
             <a:endParaRPr lang="en-US"/>
           </a:p>
@@ -505,18 +517,12 @@
           <a:p>
             <a:fld id="{C1FF6DA9-008F-8B48-92A6-B652298478BF}" type="slidenum">
               <a:rPr lang="en-US" smtClean="0"/>
-              <a:t>‹#›</a:t>
             </a:fld>
             <a:endParaRPr lang="en-US"/>
           </a:p>
         </p:txBody>
       </p:sp>
     </p:spTree>
-    <p:extLst>
-      <p:ext uri="{BB962C8B-B14F-4D97-AF65-F5344CB8AC3E}">
-        <p14:creationId xmlns:p14="http://schemas.microsoft.com/office/powerpoint/2010/main" val="2910927964"/>
-      </p:ext>
-    </p:extLst>
   </p:cSld>
   <p:clrMapOvr>
     <a:masterClrMapping/>
@@ -594,6 +600,7 @@
               <a:rPr lang="en-US" smtClean="0"/>
               <a:t>Click to edit Master text styles</a:t>
             </a:r>
+            <a:endParaRPr lang="en-US" smtClean="0"/>
           </a:p>
           <a:p>
             <a:pPr lvl="1"/>
@@ -601,6 +608,7 @@
               <a:rPr lang="en-US" smtClean="0"/>
               <a:t>Second level</a:t>
             </a:r>
+            <a:endParaRPr lang="en-US" smtClean="0"/>
           </a:p>
           <a:p>
             <a:pPr lvl="2"/>
@@ -608,6 +616,7 @@
               <a:rPr lang="en-US" smtClean="0"/>
               <a:t>Third level</a:t>
             </a:r>
+            <a:endParaRPr lang="en-US" smtClean="0"/>
           </a:p>
           <a:p>
             <a:pPr lvl="3"/>
@@ -615,6 +624,7 @@
               <a:rPr lang="en-US" smtClean="0"/>
               <a:t>Fourth level</a:t>
             </a:r>
+            <a:endParaRPr lang="en-US" smtClean="0"/>
           </a:p>
           <a:p>
             <a:pPr lvl="4"/>
@@ -643,7 +653,6 @@
           <a:p>
             <a:fld id="{5BCAD085-E8A6-8845-BD4E-CB4CCA059FC4}" type="datetimeFigureOut">
               <a:rPr lang="en-US" smtClean="0"/>
-              <a:t>1/27/13</a:t>
             </a:fld>
             <a:endParaRPr lang="en-US"/>
           </a:p>
@@ -685,18 +694,12 @@
           <a:p>
             <a:fld id="{C1FF6DA9-008F-8B48-92A6-B652298478BF}" type="slidenum">
               <a:rPr lang="en-US" smtClean="0"/>
-              <a:t>‹#›</a:t>
             </a:fld>
             <a:endParaRPr lang="en-US"/>
           </a:p>
         </p:txBody>
       </p:sp>
     </p:spTree>
-    <p:extLst>
-      <p:ext uri="{BB962C8B-B14F-4D97-AF65-F5344CB8AC3E}">
-        <p14:creationId xmlns:p14="http://schemas.microsoft.com/office/powerpoint/2010/main" val="3612223792"/>
-      </p:ext>
-    </p:extLst>
   </p:cSld>
   <p:clrMapOvr>
     <a:masterClrMapping/>
@@ -764,6 +767,7 @@
               <a:rPr lang="en-US" smtClean="0"/>
               <a:t>Click to edit Master text styles</a:t>
             </a:r>
+            <a:endParaRPr lang="en-US" smtClean="0"/>
           </a:p>
           <a:p>
             <a:pPr lvl="1"/>
@@ -771,6 +775,7 @@
               <a:rPr lang="en-US" smtClean="0"/>
               <a:t>Second level</a:t>
             </a:r>
+            <a:endParaRPr lang="en-US" smtClean="0"/>
           </a:p>
           <a:p>
             <a:pPr lvl="2"/>
@@ -778,6 +783,7 @@
               <a:rPr lang="en-US" smtClean="0"/>
               <a:t>Third level</a:t>
             </a:r>
+            <a:endParaRPr lang="en-US" smtClean="0"/>
           </a:p>
           <a:p>
             <a:pPr lvl="3"/>
@@ -785,6 +791,7 @@
               <a:rPr lang="en-US" smtClean="0"/>
               <a:t>Fourth level</a:t>
             </a:r>
+            <a:endParaRPr lang="en-US" smtClean="0"/>
           </a:p>
           <a:p>
             <a:pPr lvl="4"/>
@@ -813,7 +820,6 @@
           <a:p>
             <a:fld id="{5BCAD085-E8A6-8845-BD4E-CB4CCA059FC4}" type="datetimeFigureOut">
               <a:rPr lang="en-US" smtClean="0"/>
-              <a:t>1/27/13</a:t>
             </a:fld>
             <a:endParaRPr lang="en-US"/>
           </a:p>
@@ -855,18 +861,12 @@
           <a:p>
             <a:fld id="{C1FF6DA9-008F-8B48-92A6-B652298478BF}" type="slidenum">
               <a:rPr lang="en-US" smtClean="0"/>
-              <a:t>‹#›</a:t>
             </a:fld>
             <a:endParaRPr lang="en-US"/>
           </a:p>
         </p:txBody>
       </p:sp>
     </p:spTree>
-    <p:extLst>
-      <p:ext uri="{BB962C8B-B14F-4D97-AF65-F5344CB8AC3E}">
-        <p14:creationId xmlns:p14="http://schemas.microsoft.com/office/powerpoint/2010/main" val="2614314258"/>
-      </p:ext>
-    </p:extLst>
   </p:cSld>
   <p:clrMapOvr>
     <a:masterClrMapping/>
@@ -1039,6 +1039,7 @@
               <a:rPr lang="en-US" smtClean="0"/>
               <a:t>Click to edit Master text styles</a:t>
             </a:r>
+            <a:endParaRPr lang="en-US" smtClean="0"/>
           </a:p>
         </p:txBody>
       </p:sp>
@@ -1059,7 +1060,6 @@
           <a:p>
             <a:fld id="{5BCAD085-E8A6-8845-BD4E-CB4CCA059FC4}" type="datetimeFigureOut">
               <a:rPr lang="en-US" smtClean="0"/>
-              <a:t>1/27/13</a:t>
             </a:fld>
             <a:endParaRPr lang="en-US"/>
           </a:p>
@@ -1101,18 +1101,12 @@
           <a:p>
             <a:fld id="{C1FF6DA9-008F-8B48-92A6-B652298478BF}" type="slidenum">
               <a:rPr lang="en-US" smtClean="0"/>
-              <a:t>‹#›</a:t>
             </a:fld>
             <a:endParaRPr lang="en-US"/>
           </a:p>
         </p:txBody>
       </p:sp>
     </p:spTree>
-    <p:extLst>
-      <p:ext uri="{BB962C8B-B14F-4D97-AF65-F5344CB8AC3E}">
-        <p14:creationId xmlns:p14="http://schemas.microsoft.com/office/powerpoint/2010/main" val="960648375"/>
-      </p:ext>
-    </p:extLst>
   </p:cSld>
   <p:clrMapOvr>
     <a:masterClrMapping/>
@@ -1213,6 +1207,7 @@
               <a:rPr lang="en-US" smtClean="0"/>
               <a:t>Click to edit Master text styles</a:t>
             </a:r>
+            <a:endParaRPr lang="en-US" smtClean="0"/>
           </a:p>
           <a:p>
             <a:pPr lvl="1"/>
@@ -1220,6 +1215,7 @@
               <a:rPr lang="en-US" smtClean="0"/>
               <a:t>Second level</a:t>
             </a:r>
+            <a:endParaRPr lang="en-US" smtClean="0"/>
           </a:p>
           <a:p>
             <a:pPr lvl="2"/>
@@ -1227,6 +1223,7 @@
               <a:rPr lang="en-US" smtClean="0"/>
               <a:t>Third level</a:t>
             </a:r>
+            <a:endParaRPr lang="en-US" smtClean="0"/>
           </a:p>
           <a:p>
             <a:pPr lvl="3"/>
@@ -1234,6 +1231,7 @@
               <a:rPr lang="en-US" smtClean="0"/>
               <a:t>Fourth level</a:t>
             </a:r>
+            <a:endParaRPr lang="en-US" smtClean="0"/>
           </a:p>
           <a:p>
             <a:pPr lvl="4"/>
@@ -1298,6 +1296,7 @@
               <a:rPr lang="en-US" smtClean="0"/>
               <a:t>Click to edit Master text styles</a:t>
             </a:r>
+            <a:endParaRPr lang="en-US" smtClean="0"/>
           </a:p>
           <a:p>
             <a:pPr lvl="1"/>
@@ -1305,6 +1304,7 @@
               <a:rPr lang="en-US" smtClean="0"/>
               <a:t>Second level</a:t>
             </a:r>
+            <a:endParaRPr lang="en-US" smtClean="0"/>
           </a:p>
           <a:p>
             <a:pPr lvl="2"/>
@@ -1312,6 +1312,7 @@
               <a:rPr lang="en-US" smtClean="0"/>
               <a:t>Third level</a:t>
             </a:r>
+            <a:endParaRPr lang="en-US" smtClean="0"/>
           </a:p>
           <a:p>
             <a:pPr lvl="3"/>
@@ -1319,6 +1320,7 @@
               <a:rPr lang="en-US" smtClean="0"/>
               <a:t>Fourth level</a:t>
             </a:r>
+            <a:endParaRPr lang="en-US" smtClean="0"/>
           </a:p>
           <a:p>
             <a:pPr lvl="4"/>
@@ -1347,7 +1349,6 @@
           <a:p>
             <a:fld id="{5BCAD085-E8A6-8845-BD4E-CB4CCA059FC4}" type="datetimeFigureOut">
               <a:rPr lang="en-US" smtClean="0"/>
-              <a:t>1/27/13</a:t>
             </a:fld>
             <a:endParaRPr lang="en-US"/>
           </a:p>
@@ -1389,18 +1390,12 @@
           <a:p>
             <a:fld id="{C1FF6DA9-008F-8B48-92A6-B652298478BF}" type="slidenum">
               <a:rPr lang="en-US" smtClean="0"/>
-              <a:t>‹#›</a:t>
             </a:fld>
             <a:endParaRPr lang="en-US"/>
           </a:p>
         </p:txBody>
       </p:sp>
     </p:spTree>
-    <p:extLst>
-      <p:ext uri="{BB962C8B-B14F-4D97-AF65-F5344CB8AC3E}">
-        <p14:creationId xmlns:p14="http://schemas.microsoft.com/office/powerpoint/2010/main" val="2782244947"/>
-      </p:ext>
-    </p:extLst>
   </p:cSld>
   <p:clrMapOvr>
     <a:masterClrMapping/>
@@ -1514,6 +1509,7 @@
               <a:rPr lang="en-US" smtClean="0"/>
               <a:t>Click to edit Master text styles</a:t>
             </a:r>
+            <a:endParaRPr lang="en-US" smtClean="0"/>
           </a:p>
         </p:txBody>
       </p:sp>
@@ -1570,6 +1566,7 @@
               <a:rPr lang="en-US" smtClean="0"/>
               <a:t>Click to edit Master text styles</a:t>
             </a:r>
+            <a:endParaRPr lang="en-US" smtClean="0"/>
           </a:p>
           <a:p>
             <a:pPr lvl="1"/>
@@ -1577,6 +1574,7 @@
               <a:rPr lang="en-US" smtClean="0"/>
               <a:t>Second level</a:t>
             </a:r>
+            <a:endParaRPr lang="en-US" smtClean="0"/>
           </a:p>
           <a:p>
             <a:pPr lvl="2"/>
@@ -1584,6 +1582,7 @@
               <a:rPr lang="en-US" smtClean="0"/>
               <a:t>Third level</a:t>
             </a:r>
+            <a:endParaRPr lang="en-US" smtClean="0"/>
           </a:p>
           <a:p>
             <a:pPr lvl="3"/>
@@ -1591,6 +1590,7 @@
               <a:rPr lang="en-US" smtClean="0"/>
               <a:t>Fourth level</a:t>
             </a:r>
+            <a:endParaRPr lang="en-US" smtClean="0"/>
           </a:p>
           <a:p>
             <a:pPr lvl="4"/>
@@ -1664,6 +1664,7 @@
               <a:rPr lang="en-US" smtClean="0"/>
               <a:t>Click to edit Master text styles</a:t>
             </a:r>
+            <a:endParaRPr lang="en-US" smtClean="0"/>
           </a:p>
         </p:txBody>
       </p:sp>
@@ -1720,6 +1721,7 @@
               <a:rPr lang="en-US" smtClean="0"/>
               <a:t>Click to edit Master text styles</a:t>
             </a:r>
+            <a:endParaRPr lang="en-US" smtClean="0"/>
           </a:p>
           <a:p>
             <a:pPr lvl="1"/>
@@ -1727,6 +1729,7 @@
               <a:rPr lang="en-US" smtClean="0"/>
               <a:t>Second level</a:t>
             </a:r>
+            <a:endParaRPr lang="en-US" smtClean="0"/>
           </a:p>
           <a:p>
             <a:pPr lvl="2"/>
@@ -1734,6 +1737,7 @@
               <a:rPr lang="en-US" smtClean="0"/>
               <a:t>Third level</a:t>
             </a:r>
+            <a:endParaRPr lang="en-US" smtClean="0"/>
           </a:p>
           <a:p>
             <a:pPr lvl="3"/>
@@ -1741,6 +1745,7 @@
               <a:rPr lang="en-US" smtClean="0"/>
               <a:t>Fourth level</a:t>
             </a:r>
+            <a:endParaRPr lang="en-US" smtClean="0"/>
           </a:p>
           <a:p>
             <a:pPr lvl="4"/>
@@ -1769,7 +1774,6 @@
           <a:p>
             <a:fld id="{5BCAD085-E8A6-8845-BD4E-CB4CCA059FC4}" type="datetimeFigureOut">
               <a:rPr lang="en-US" smtClean="0"/>
-              <a:t>1/27/13</a:t>
             </a:fld>
             <a:endParaRPr lang="en-US"/>
           </a:p>
@@ -1811,18 +1815,12 @@
           <a:p>
             <a:fld id="{C1FF6DA9-008F-8B48-92A6-B652298478BF}" type="slidenum">
               <a:rPr lang="en-US" smtClean="0"/>
-              <a:t>‹#›</a:t>
             </a:fld>
             <a:endParaRPr lang="en-US"/>
           </a:p>
         </p:txBody>
       </p:sp>
     </p:spTree>
-    <p:extLst>
-      <p:ext uri="{BB962C8B-B14F-4D97-AF65-F5344CB8AC3E}">
-        <p14:creationId xmlns:p14="http://schemas.microsoft.com/office/powerpoint/2010/main" val="990158736"/>
-      </p:ext>
-    </p:extLst>
   </p:cSld>
   <p:clrMapOvr>
     <a:masterClrMapping/>
@@ -1887,7 +1885,6 @@
           <a:p>
             <a:fld id="{5BCAD085-E8A6-8845-BD4E-CB4CCA059FC4}" type="datetimeFigureOut">
               <a:rPr lang="en-US" smtClean="0"/>
-              <a:t>1/27/13</a:t>
             </a:fld>
             <a:endParaRPr lang="en-US"/>
           </a:p>
@@ -1929,18 +1926,12 @@
           <a:p>
             <a:fld id="{C1FF6DA9-008F-8B48-92A6-B652298478BF}" type="slidenum">
               <a:rPr lang="en-US" smtClean="0"/>
-              <a:t>‹#›</a:t>
             </a:fld>
             <a:endParaRPr lang="en-US"/>
           </a:p>
         </p:txBody>
       </p:sp>
     </p:spTree>
-    <p:extLst>
-      <p:ext uri="{BB962C8B-B14F-4D97-AF65-F5344CB8AC3E}">
-        <p14:creationId xmlns:p14="http://schemas.microsoft.com/office/powerpoint/2010/main" val="727027711"/>
-      </p:ext>
-    </p:extLst>
   </p:cSld>
   <p:clrMapOvr>
     <a:masterClrMapping/>
@@ -1982,7 +1973,6 @@
           <a:p>
             <a:fld id="{5BCAD085-E8A6-8845-BD4E-CB4CCA059FC4}" type="datetimeFigureOut">
               <a:rPr lang="en-US" smtClean="0"/>
-              <a:t>1/27/13</a:t>
             </a:fld>
             <a:endParaRPr lang="en-US"/>
           </a:p>
@@ -2024,18 +2014,12 @@
           <a:p>
             <a:fld id="{C1FF6DA9-008F-8B48-92A6-B652298478BF}" type="slidenum">
               <a:rPr lang="en-US" smtClean="0"/>
-              <a:t>‹#›</a:t>
             </a:fld>
             <a:endParaRPr lang="en-US"/>
           </a:p>
         </p:txBody>
       </p:sp>
     </p:spTree>
-    <p:extLst>
-      <p:ext uri="{BB962C8B-B14F-4D97-AF65-F5344CB8AC3E}">
-        <p14:creationId xmlns:p14="http://schemas.microsoft.com/office/powerpoint/2010/main" val="1212999818"/>
-      </p:ext>
-    </p:extLst>
   </p:cSld>
   <p:clrMapOvr>
     <a:masterClrMapping/>
@@ -2145,6 +2129,7 @@
               <a:rPr lang="en-US" smtClean="0"/>
               <a:t>Click to edit Master text styles</a:t>
             </a:r>
+            <a:endParaRPr lang="en-US" smtClean="0"/>
           </a:p>
           <a:p>
             <a:pPr lvl="1"/>
@@ -2152,6 +2137,7 @@
               <a:rPr lang="en-US" smtClean="0"/>
               <a:t>Second level</a:t>
             </a:r>
+            <a:endParaRPr lang="en-US" smtClean="0"/>
           </a:p>
           <a:p>
             <a:pPr lvl="2"/>
@@ -2159,6 +2145,7 @@
               <a:rPr lang="en-US" smtClean="0"/>
               <a:t>Third level</a:t>
             </a:r>
+            <a:endParaRPr lang="en-US" smtClean="0"/>
           </a:p>
           <a:p>
             <a:pPr lvl="3"/>
@@ -2166,6 +2153,7 @@
               <a:rPr lang="en-US" smtClean="0"/>
               <a:t>Fourth level</a:t>
             </a:r>
+            <a:endParaRPr lang="en-US" smtClean="0"/>
           </a:p>
           <a:p>
             <a:pPr lvl="4"/>
@@ -2239,6 +2227,7 @@
               <a:rPr lang="en-US" smtClean="0"/>
               <a:t>Click to edit Master text styles</a:t>
             </a:r>
+            <a:endParaRPr lang="en-US" smtClean="0"/>
           </a:p>
         </p:txBody>
       </p:sp>
@@ -2259,7 +2248,6 @@
           <a:p>
             <a:fld id="{5BCAD085-E8A6-8845-BD4E-CB4CCA059FC4}" type="datetimeFigureOut">
               <a:rPr lang="en-US" smtClean="0"/>
-              <a:t>1/27/13</a:t>
             </a:fld>
             <a:endParaRPr lang="en-US"/>
           </a:p>
@@ -2301,18 +2289,12 @@
           <a:p>
             <a:fld id="{C1FF6DA9-008F-8B48-92A6-B652298478BF}" type="slidenum">
               <a:rPr lang="en-US" smtClean="0"/>
-              <a:t>‹#›</a:t>
             </a:fld>
             <a:endParaRPr lang="en-US"/>
           </a:p>
         </p:txBody>
       </p:sp>
     </p:spTree>
-    <p:extLst>
-      <p:ext uri="{BB962C8B-B14F-4D97-AF65-F5344CB8AC3E}">
-        <p14:creationId xmlns:p14="http://schemas.microsoft.com/office/powerpoint/2010/main" val="1840726560"/>
-      </p:ext>
-    </p:extLst>
   </p:cSld>
   <p:clrMapOvr>
     <a:masterClrMapping/>
@@ -2492,6 +2474,7 @@
               <a:rPr lang="en-US" smtClean="0"/>
               <a:t>Click to edit Master text styles</a:t>
             </a:r>
+            <a:endParaRPr lang="en-US" smtClean="0"/>
           </a:p>
         </p:txBody>
       </p:sp>
@@ -2512,7 +2495,6 @@
           <a:p>
             <a:fld id="{5BCAD085-E8A6-8845-BD4E-CB4CCA059FC4}" type="datetimeFigureOut">
               <a:rPr lang="en-US" smtClean="0"/>
-              <a:t>1/27/13</a:t>
             </a:fld>
             <a:endParaRPr lang="en-US"/>
           </a:p>
@@ -2554,18 +2536,12 @@
           <a:p>
             <a:fld id="{C1FF6DA9-008F-8B48-92A6-B652298478BF}" type="slidenum">
               <a:rPr lang="en-US" smtClean="0"/>
-              <a:t>‹#›</a:t>
             </a:fld>
             <a:endParaRPr lang="en-US"/>
           </a:p>
         </p:txBody>
       </p:sp>
     </p:spTree>
-    <p:extLst>
-      <p:ext uri="{BB962C8B-B14F-4D97-AF65-F5344CB8AC3E}">
-        <p14:creationId xmlns:p14="http://schemas.microsoft.com/office/powerpoint/2010/main" val="3889236939"/>
-      </p:ext>
-    </p:extLst>
   </p:cSld>
   <p:clrMapOvr>
     <a:masterClrMapping/>
@@ -2658,6 +2634,7 @@
               <a:rPr lang="en-US" smtClean="0"/>
               <a:t>Click to edit Master text styles</a:t>
             </a:r>
+            <a:endParaRPr lang="en-US" smtClean="0"/>
           </a:p>
           <a:p>
             <a:pPr lvl="1"/>
@@ -2665,6 +2642,7 @@
               <a:rPr lang="en-US" smtClean="0"/>
               <a:t>Second level</a:t>
             </a:r>
+            <a:endParaRPr lang="en-US" smtClean="0"/>
           </a:p>
           <a:p>
             <a:pPr lvl="2"/>
@@ -2672,6 +2650,7 @@
               <a:rPr lang="en-US" smtClean="0"/>
               <a:t>Third level</a:t>
             </a:r>
+            <a:endParaRPr lang="en-US" smtClean="0"/>
           </a:p>
           <a:p>
             <a:pPr lvl="3"/>
@@ -2679,6 +2658,7 @@
               <a:rPr lang="en-US" smtClean="0"/>
               <a:t>Fourth level</a:t>
             </a:r>
+            <a:endParaRPr lang="en-US" smtClean="0"/>
           </a:p>
           <a:p>
             <a:pPr lvl="4"/>
@@ -2725,7 +2705,6 @@
           <a:p>
             <a:fld id="{5BCAD085-E8A6-8845-BD4E-CB4CCA059FC4}" type="datetimeFigureOut">
               <a:rPr lang="en-US" smtClean="0"/>
-              <a:t>1/27/13</a:t>
             </a:fld>
             <a:endParaRPr lang="en-US"/>
           </a:p>
@@ -2803,18 +2782,12 @@
           <a:p>
             <a:fld id="{C1FF6DA9-008F-8B48-92A6-B652298478BF}" type="slidenum">
               <a:rPr lang="en-US" smtClean="0"/>
-              <a:t>‹#›</a:t>
             </a:fld>
             <a:endParaRPr lang="en-US"/>
           </a:p>
         </p:txBody>
       </p:sp>
     </p:spTree>
-    <p:extLst>
-      <p:ext uri="{BB962C8B-B14F-4D97-AF65-F5344CB8AC3E}">
-        <p14:creationId xmlns:p14="http://schemas.microsoft.com/office/powerpoint/2010/main" val="2209977519"/>
-      </p:ext>
-    </p:extLst>
   </p:cSld>
   <p:clrMap bg1="lt1" tx1="dk1" bg2="lt2" tx2="dk2" accent1="accent1" accent2="accent2" accent3="accent3" accent4="accent4" accent5="accent5" accent6="accent6" hlink="hlink" folHlink="folHlink"/>
   <p:sldLayoutIdLst>
@@ -2852,7 +2825,7 @@
         <a:spcBef>
           <a:spcPct val="20000"/>
         </a:spcBef>
-        <a:buFont typeface="Arial"/>
+        <a:buFont typeface="Arial" panose="020B0604020202020204"/>
         <a:buChar char="•"/>
         <a:defRPr sz="3200" kern="1200">
           <a:solidFill>
@@ -2867,7 +2840,7 @@
         <a:spcBef>
           <a:spcPct val="20000"/>
         </a:spcBef>
-        <a:buFont typeface="Arial"/>
+        <a:buFont typeface="Arial" panose="020B0604020202020204"/>
         <a:buChar char="–"/>
         <a:defRPr sz="2800" kern="1200">
           <a:solidFill>
@@ -2882,7 +2855,7 @@
         <a:spcBef>
           <a:spcPct val="20000"/>
         </a:spcBef>
-        <a:buFont typeface="Arial"/>
+        <a:buFont typeface="Arial" panose="020B0604020202020204"/>
         <a:buChar char="•"/>
         <a:defRPr sz="2400" kern="1200">
           <a:solidFill>
@@ -2897,7 +2870,7 @@
         <a:spcBef>
           <a:spcPct val="20000"/>
         </a:spcBef>
-        <a:buFont typeface="Arial"/>
+        <a:buFont typeface="Arial" panose="020B0604020202020204"/>
         <a:buChar char="–"/>
         <a:defRPr sz="2000" kern="1200">
           <a:solidFill>
@@ -2912,7 +2885,7 @@
         <a:spcBef>
           <a:spcPct val="20000"/>
         </a:spcBef>
-        <a:buFont typeface="Arial"/>
+        <a:buFont typeface="Arial" panose="020B0604020202020204"/>
         <a:buChar char="»"/>
         <a:defRPr sz="2000" kern="1200">
           <a:solidFill>
@@ -2927,7 +2900,7 @@
         <a:spcBef>
           <a:spcPct val="20000"/>
         </a:spcBef>
-        <a:buFont typeface="Arial"/>
+        <a:buFont typeface="Arial" panose="020B0604020202020204"/>
         <a:buChar char="•"/>
         <a:defRPr sz="2000" kern="1200">
           <a:solidFill>
@@ -2942,7 +2915,7 @@
         <a:spcBef>
           <a:spcPct val="20000"/>
         </a:spcBef>
-        <a:buFont typeface="Arial"/>
+        <a:buFont typeface="Arial" panose="020B0604020202020204"/>
         <a:buChar char="•"/>
         <a:defRPr sz="2000" kern="1200">
           <a:solidFill>
@@ -2957,7 +2930,7 @@
         <a:spcBef>
           <a:spcPct val="20000"/>
         </a:spcBef>
-        <a:buFont typeface="Arial"/>
+        <a:buFont typeface="Arial" panose="020B0604020202020204"/>
         <a:buChar char="•"/>
         <a:defRPr sz="2000" kern="1200">
           <a:solidFill>
@@ -2972,7 +2945,7 @@
         <a:spcBef>
           <a:spcPct val="20000"/>
         </a:spcBef>
-        <a:buFont typeface="Arial"/>
+        <a:buFont typeface="Arial" panose="020B0604020202020204"/>
         <a:buChar char="•"/>
         <a:defRPr sz="2000" kern="1200">
           <a:solidFill>
@@ -3084,7 +3057,7 @@
 </file>
 
 <file path=ppt/slides/slide1.xml><?xml version="1.0" encoding="utf-8"?>
-<p:sld xmlns:a="http://schemas.openxmlformats.org/drawingml/2006/main" xmlns:p="http://schemas.openxmlformats.org/presentationml/2006/main" xmlns:r="http://schemas.openxmlformats.org/officeDocument/2006/relationships">
+<p:sld xmlns:a="http://schemas.openxmlformats.org/drawingml/2006/main" xmlns:r="http://schemas.openxmlformats.org/officeDocument/2006/relationships" xmlns:p="http://schemas.openxmlformats.org/presentationml/2006/main">
   <p:cSld>
     <p:bg>
       <p:bgPr>
@@ -3129,10 +3102,16 @@
                 <a:solidFill>
                   <a:srgbClr val="003366"/>
                 </a:solidFill>
-                <a:latin typeface="Microsoft YaHei"/>
+                <a:latin typeface="微软雅黑" panose="020B0503020204020204" charset="-122"/>
               </a:rPr>
               <a:t>锅具状态检测系统</a:t>
             </a:r>
+            <a:endParaRPr sz="4800" b="1">
+              <a:solidFill>
+                <a:srgbClr val="003366"/>
+              </a:solidFill>
+              <a:latin typeface="微软雅黑" panose="020B0503020204020204" charset="-122"/>
+            </a:endParaRPr>
           </a:p>
         </p:txBody>
       </p:sp>
@@ -3164,10 +3143,16 @@
                 <a:solidFill>
                   <a:srgbClr val="646464"/>
                 </a:solidFill>
-                <a:latin typeface="Microsoft YaHei"/>
+                <a:latin typeface="微软雅黑" panose="020B0503020204020204" charset="-122"/>
               </a:rPr>
               <a:t>MobileNet v2驱动的厨房安全检测</a:t>
             </a:r>
+            <a:endParaRPr sz="2400">
+              <a:solidFill>
+                <a:srgbClr val="646464"/>
+              </a:solidFill>
+              <a:latin typeface="微软雅黑" panose="020B0503020204020204" charset="-122"/>
+            </a:endParaRPr>
           </a:p>
         </p:txBody>
       </p:sp>
@@ -3188,7 +3173,6 @@
           <a:solidFill>
             <a:srgbClr val="4CAF50"/>
           </a:solidFill>
-          <a:ln/>
         </p:spPr>
         <p:style>
           <a:lnRef idx="1">
@@ -3214,10 +3198,16 @@
                 <a:solidFill>
                   <a:srgbClr val="FFFFFF"/>
                 </a:solidFill>
-                <a:latin typeface="Microsoft YaHei"/>
+                <a:latin typeface="微软雅黑" panose="020B0503020204020204" charset="-122"/>
               </a:rPr>
               <a:t>100% 训练与验证准确率</a:t>
             </a:r>
+            <a:endParaRPr sz="1300" b="1">
+              <a:solidFill>
+                <a:srgbClr val="FFFFFF"/>
+              </a:solidFill>
+              <a:latin typeface="微软雅黑" panose="020B0503020204020204" charset="-122"/>
+            </a:endParaRPr>
           </a:p>
         </p:txBody>
       </p:sp>
@@ -3238,7 +3228,6 @@
           <a:solidFill>
             <a:srgbClr val="2196F3"/>
           </a:solidFill>
-          <a:ln/>
         </p:spPr>
         <p:style>
           <a:lnRef idx="1">
@@ -3264,10 +3253,16 @@
                 <a:solidFill>
                   <a:srgbClr val="FFFFFF"/>
                 </a:solidFill>
-                <a:latin typeface="Microsoft YaHei"/>
+                <a:latin typeface="微软雅黑" panose="020B0503020204020204" charset="-122"/>
               </a:rPr>
               <a:t>混合圆形+YOLO检测</a:t>
             </a:r>
+            <a:endParaRPr sz="1300" b="1">
+              <a:solidFill>
+                <a:srgbClr val="FFFFFF"/>
+              </a:solidFill>
+              <a:latin typeface="微软雅黑" panose="020B0503020204020204" charset="-122"/>
+            </a:endParaRPr>
           </a:p>
         </p:txBody>
       </p:sp>
@@ -3288,7 +3283,6 @@
           <a:solidFill>
             <a:srgbClr val="FF9800"/>
           </a:solidFill>
-          <a:ln/>
         </p:spPr>
         <p:style>
           <a:lnRef idx="1">
@@ -3314,10 +3308,16 @@
                 <a:solidFill>
                   <a:srgbClr val="FFFFFF"/>
                 </a:solidFill>
-                <a:latin typeface="Microsoft YaHei"/>
+                <a:latin typeface="微软雅黑" panose="020B0503020204020204" charset="-122"/>
               </a:rPr>
               <a:t>MobileNet v2 - 350万参数</a:t>
             </a:r>
+            <a:endParaRPr sz="1300" b="1">
+              <a:solidFill>
+                <a:srgbClr val="FFFFFF"/>
+              </a:solidFill>
+              <a:latin typeface="微软雅黑" panose="020B0503020204020204" charset="-122"/>
+            </a:endParaRPr>
           </a:p>
         </p:txBody>
       </p:sp>
@@ -3330,7 +3330,7 @@
 </file>
 
 <file path=ppt/slides/slide2.xml><?xml version="1.0" encoding="utf-8"?>
-<p:sld xmlns:a="http://schemas.openxmlformats.org/drawingml/2006/main" xmlns:p="http://schemas.openxmlformats.org/presentationml/2006/main" xmlns:r="http://schemas.openxmlformats.org/officeDocument/2006/relationships">
+<p:sld xmlns:a="http://schemas.openxmlformats.org/drawingml/2006/main" xmlns:r="http://schemas.openxmlformats.org/officeDocument/2006/relationships" xmlns:p="http://schemas.openxmlformats.org/presentationml/2006/main">
   <p:cSld>
     <p:bg>
       <p:bgPr>
@@ -3375,10 +3375,16 @@
                 <a:solidFill>
                   <a:srgbClr val="003366"/>
                 </a:solidFill>
-                <a:latin typeface="Microsoft YaHei"/>
+                <a:latin typeface="微软雅黑" panose="020B0503020204020204" charset="-122"/>
               </a:rPr>
               <a:t>系统工作流程概览</a:t>
             </a:r>
+            <a:endParaRPr sz="3200" b="1">
+              <a:solidFill>
+                <a:srgbClr val="003366"/>
+              </a:solidFill>
+              <a:latin typeface="微软雅黑" panose="020B0503020204020204" charset="-122"/>
+            </a:endParaRPr>
           </a:p>
         </p:txBody>
       </p:sp>
@@ -3386,7 +3392,11 @@
         <p:nvSpPr>
           <p:cNvPr id="3" name="Rounded Rectangle 2"/>
           <p:cNvSpPr/>
-          <p:nvPr/>
+          <p:nvPr>
+            <p:custDataLst>
+              <p:tags r:id="rId1"/>
+            </p:custDataLst>
+          </p:nvPr>
         </p:nvSpPr>
         <p:spPr>
           <a:xfrm>
@@ -3420,7 +3430,7 @@
           </a:fontRef>
         </p:style>
         <p:txBody>
-          <a:bodyPr rtlCol="0" anchor="ctr" wrap="square"/>
+          <a:bodyPr wrap="square" rtlCol="0" anchor="ctr"/>
           <a:lstStyle/>
           <a:p>
             <a:pPr algn="ctr"/>
@@ -3429,10 +3439,34 @@
                 <a:solidFill>
                   <a:srgbClr val="FFFFFF"/>
                 </a:solidFill>
-                <a:latin typeface="Microsoft YaHei"/>
+                <a:latin typeface="微软雅黑" panose="020B0503020204020204" charset="-122"/>
               </a:rPr>
-              <a:t>输入图像\n(厨房相机)</a:t>
-            </a:r>
+              <a:t>输入图像</a:t>
+            </a:r>
+            <a:endParaRPr sz="1400" b="1">
+              <a:solidFill>
+                <a:srgbClr val="FFFFFF"/>
+              </a:solidFill>
+              <a:latin typeface="微软雅黑" panose="020B0503020204020204" charset="-122"/>
+            </a:endParaRPr>
+          </a:p>
+          <a:p>
+            <a:pPr algn="ctr"/>
+            <a:r>
+              <a:rPr sz="1400" b="1">
+                <a:solidFill>
+                  <a:srgbClr val="FFFFFF"/>
+                </a:solidFill>
+                <a:latin typeface="微软雅黑" panose="020B0503020204020204" charset="-122"/>
+              </a:rPr>
+              <a:t>(厨房相机)</a:t>
+            </a:r>
+            <a:endParaRPr sz="1400" b="1">
+              <a:solidFill>
+                <a:srgbClr val="FFFFFF"/>
+              </a:solidFill>
+              <a:latin typeface="微软雅黑" panose="020B0503020204020204" charset="-122"/>
+            </a:endParaRPr>
           </a:p>
         </p:txBody>
       </p:sp>
@@ -3440,7 +3474,11 @@
         <p:nvSpPr>
           <p:cNvPr id="4" name="Rounded Rectangle 3"/>
           <p:cNvSpPr/>
-          <p:nvPr/>
+          <p:nvPr>
+            <p:custDataLst>
+              <p:tags r:id="rId2"/>
+            </p:custDataLst>
+          </p:nvPr>
         </p:nvSpPr>
         <p:spPr>
           <a:xfrm>
@@ -3474,19 +3512,52 @@
           </a:fontRef>
         </p:style>
         <p:txBody>
-          <a:bodyPr rtlCol="0" anchor="ctr" wrap="square"/>
+          <a:bodyPr wrap="square" rtlCol="0" anchor="ctr"/>
           <a:lstStyle/>
           <a:p>
             <a:pPr algn="ctr"/>
             <a:r>
+              <a:rPr lang="zh-CN" sz="1400" b="1">
+                <a:solidFill>
+                  <a:srgbClr val="FFFFFF"/>
+                </a:solidFill>
+                <a:latin typeface="微软雅黑" panose="020B0503020204020204" charset="-122"/>
+              </a:rPr>
+              <a:t>锅具范围</a:t>
+            </a:r>
+            <a:r>
               <a:rPr sz="1400" b="1">
                 <a:solidFill>
                   <a:srgbClr val="FFFFFF"/>
                 </a:solidFill>
-                <a:latin typeface="Microsoft YaHei"/>
+                <a:latin typeface="微软雅黑" panose="020B0503020204020204" charset="-122"/>
               </a:rPr>
-              <a:t>目标检测\n(圆形+YOLO)</a:t>
-            </a:r>
+              <a:t>检测</a:t>
+            </a:r>
+            <a:endParaRPr sz="1400" b="1">
+              <a:solidFill>
+                <a:srgbClr val="FFFFFF"/>
+              </a:solidFill>
+              <a:latin typeface="微软雅黑" panose="020B0503020204020204" charset="-122"/>
+            </a:endParaRPr>
+          </a:p>
+          <a:p>
+            <a:pPr algn="ctr"/>
+            <a:r>
+              <a:rPr sz="1400" b="1">
+                <a:solidFill>
+                  <a:srgbClr val="FFFFFF"/>
+                </a:solidFill>
+                <a:latin typeface="微软雅黑" panose="020B0503020204020204" charset="-122"/>
+              </a:rPr>
+              <a:t>(圆形+YOLO)</a:t>
+            </a:r>
+            <a:endParaRPr sz="1400" b="1">
+              <a:solidFill>
+                <a:srgbClr val="FFFFFF"/>
+              </a:solidFill>
+              <a:latin typeface="微软雅黑" panose="020B0503020204020204" charset="-122"/>
+            </a:endParaRPr>
           </a:p>
         </p:txBody>
       </p:sp>
@@ -3494,7 +3565,11 @@
         <p:nvSpPr>
           <p:cNvPr id="5" name="Rounded Rectangle 4"/>
           <p:cNvSpPr/>
-          <p:nvPr/>
+          <p:nvPr>
+            <p:custDataLst>
+              <p:tags r:id="rId3"/>
+            </p:custDataLst>
+          </p:nvPr>
         </p:nvSpPr>
         <p:spPr>
           <a:xfrm>
@@ -3528,19 +3603,52 @@
           </a:fontRef>
         </p:style>
         <p:txBody>
-          <a:bodyPr rtlCol="0" anchor="ctr" wrap="square"/>
+          <a:bodyPr wrap="square" rtlCol="0" anchor="ctr"/>
           <a:lstStyle/>
           <a:p>
             <a:pPr algn="ctr"/>
             <a:r>
+              <a:rPr lang="zh-CN" sz="1400" b="1">
+                <a:solidFill>
+                  <a:srgbClr val="FFFFFF"/>
+                </a:solidFill>
+                <a:latin typeface="微软雅黑" panose="020B0503020204020204" charset="-122"/>
+              </a:rPr>
+              <a:t>锅具</a:t>
+            </a:r>
+            <a:r>
               <a:rPr sz="1400" b="1">
                 <a:solidFill>
                   <a:srgbClr val="FFFFFF"/>
                 </a:solidFill>
-                <a:latin typeface="Microsoft YaHei"/>
+                <a:latin typeface="微软雅黑" panose="020B0503020204020204" charset="-122"/>
               </a:rPr>
-              <a:t>状态分类\n(MobileNet v2)</a:t>
-            </a:r>
+              <a:t>状态分类</a:t>
+            </a:r>
+            <a:endParaRPr sz="1400" b="1">
+              <a:solidFill>
+                <a:srgbClr val="FFFFFF"/>
+              </a:solidFill>
+              <a:latin typeface="微软雅黑" panose="020B0503020204020204" charset="-122"/>
+            </a:endParaRPr>
+          </a:p>
+          <a:p>
+            <a:pPr algn="ctr"/>
+            <a:r>
+              <a:rPr sz="1400" b="1">
+                <a:solidFill>
+                  <a:srgbClr val="FFFFFF"/>
+                </a:solidFill>
+                <a:latin typeface="微软雅黑" panose="020B0503020204020204" charset="-122"/>
+              </a:rPr>
+              <a:t>(MobileNet v2)</a:t>
+            </a:r>
+            <a:endParaRPr sz="1400" b="1">
+              <a:solidFill>
+                <a:srgbClr val="FFFFFF"/>
+              </a:solidFill>
+              <a:latin typeface="微软雅黑" panose="020B0503020204020204" charset="-122"/>
+            </a:endParaRPr>
           </a:p>
         </p:txBody>
       </p:sp>
@@ -3548,7 +3656,11 @@
         <p:nvSpPr>
           <p:cNvPr id="6" name="Rounded Rectangle 5"/>
           <p:cNvSpPr/>
-          <p:nvPr/>
+          <p:nvPr>
+            <p:custDataLst>
+              <p:tags r:id="rId4"/>
+            </p:custDataLst>
+          </p:nvPr>
         </p:nvSpPr>
         <p:spPr>
           <a:xfrm>
@@ -3582,7 +3694,7 @@
           </a:fontRef>
         </p:style>
         <p:txBody>
-          <a:bodyPr rtlCol="0" anchor="ctr" wrap="square"/>
+          <a:bodyPr wrap="square" rtlCol="0" anchor="ctr"/>
           <a:lstStyle/>
           <a:p>
             <a:pPr algn="ctr"/>
@@ -3591,10 +3703,34 @@
                 <a:solidFill>
                   <a:srgbClr val="FFFFFF"/>
                 </a:solidFill>
-                <a:latin typeface="Microsoft YaHei"/>
+                <a:latin typeface="微软雅黑" panose="020B0503020204020204" charset="-122"/>
               </a:rPr>
-              <a:t>输出结果\n(带标记)</a:t>
-            </a:r>
+              <a:t>输出结果</a:t>
+            </a:r>
+            <a:endParaRPr sz="1400" b="1">
+              <a:solidFill>
+                <a:srgbClr val="FFFFFF"/>
+              </a:solidFill>
+              <a:latin typeface="微软雅黑" panose="020B0503020204020204" charset="-122"/>
+            </a:endParaRPr>
+          </a:p>
+          <a:p>
+            <a:pPr algn="ctr"/>
+            <a:r>
+              <a:rPr sz="1400" b="1">
+                <a:solidFill>
+                  <a:srgbClr val="FFFFFF"/>
+                </a:solidFill>
+                <a:latin typeface="微软雅黑" panose="020B0503020204020204" charset="-122"/>
+              </a:rPr>
+              <a:t>(带标记)</a:t>
+            </a:r>
+            <a:endParaRPr sz="1400" b="1">
+              <a:solidFill>
+                <a:srgbClr val="FFFFFF"/>
+              </a:solidFill>
+              <a:latin typeface="微软雅黑" panose="020B0503020204020204" charset="-122"/>
+            </a:endParaRPr>
           </a:p>
         </p:txBody>
       </p:sp>
@@ -3602,12 +3738,16 @@
         <p:nvCxnSpPr>
           <p:cNvPr id="7" name="Connector 6"/>
           <p:cNvCxnSpPr/>
-          <p:nvPr/>
+          <p:nvPr>
+            <p:custDataLst>
+              <p:tags r:id="rId5"/>
+            </p:custDataLst>
+          </p:nvPr>
         </p:nvCxnSpPr>
         <p:spPr>
           <a:xfrm>
-            <a:off x="3534156.0" y="2286000.0"/>
-            <a:ext cx="365760.0" cy="0.0"/>
+            <a:off x="3534156" y="2286000"/>
+            <a:ext cx="365760" cy="0"/>
           </a:xfrm>
           <a:prstGeom prst="line">
             <a:avLst/>
@@ -3637,12 +3777,16 @@
         <p:nvCxnSpPr>
           <p:cNvPr id="8" name="Connector 7"/>
           <p:cNvCxnSpPr/>
-          <p:nvPr/>
+          <p:nvPr>
+            <p:custDataLst>
+              <p:tags r:id="rId6"/>
+            </p:custDataLst>
+          </p:nvPr>
         </p:nvCxnSpPr>
         <p:spPr>
           <a:xfrm>
-            <a:off x="5911596.0" y="2286000.0"/>
-            <a:ext cx="365760.0" cy="0.0"/>
+            <a:off x="5911596" y="2286000"/>
+            <a:ext cx="365760" cy="0"/>
           </a:xfrm>
           <a:prstGeom prst="line">
             <a:avLst/>
@@ -3672,12 +3816,16 @@
         <p:nvCxnSpPr>
           <p:cNvPr id="9" name="Connector 8"/>
           <p:cNvCxnSpPr/>
-          <p:nvPr/>
+          <p:nvPr>
+            <p:custDataLst>
+              <p:tags r:id="rId7"/>
+            </p:custDataLst>
+          </p:nvPr>
         </p:nvCxnSpPr>
         <p:spPr>
           <a:xfrm>
-            <a:off x="8289036.0" y="2286000.0"/>
-            <a:ext cx="365760.0" cy="0.0"/>
+            <a:off x="8289036" y="2286000"/>
+            <a:ext cx="365760" cy="0"/>
           </a:xfrm>
           <a:prstGeom prst="line">
             <a:avLst/>
@@ -3707,7 +3855,11 @@
         <p:nvSpPr>
           <p:cNvPr id="10" name="Rounded Rectangle 9"/>
           <p:cNvSpPr/>
-          <p:nvPr/>
+          <p:nvPr>
+            <p:custDataLst>
+              <p:tags r:id="rId8"/>
+            </p:custDataLst>
+          </p:nvPr>
         </p:nvSpPr>
         <p:spPr>
           <a:xfrm>
@@ -3741,7 +3893,7 @@
           </a:fontRef>
         </p:style>
         <p:txBody>
-          <a:bodyPr rtlCol="0" anchor="ctr" wrap="square"/>
+          <a:bodyPr wrap="square" rtlCol="0" anchor="ctr"/>
           <a:lstStyle/>
           <a:p>
             <a:pPr algn="ctr"/>
@@ -3750,10 +3902,16 @@
                 <a:solidFill>
                   <a:srgbClr val="000000"/>
                 </a:solidFill>
-                <a:latin typeface="Microsoft YaHei"/>
+                <a:latin typeface="微软雅黑" panose="020B0503020204020204" charset="-122"/>
               </a:rPr>
               <a:t>正常</a:t>
             </a:r>
+            <a:endParaRPr sz="1400" b="1">
+              <a:solidFill>
+                <a:srgbClr val="000000"/>
+              </a:solidFill>
+              <a:latin typeface="微软雅黑" panose="020B0503020204020204" charset="-122"/>
+            </a:endParaRPr>
           </a:p>
         </p:txBody>
       </p:sp>
@@ -3761,7 +3919,11 @@
         <p:nvSpPr>
           <p:cNvPr id="11" name="Rounded Rectangle 10"/>
           <p:cNvSpPr/>
-          <p:nvPr/>
+          <p:nvPr>
+            <p:custDataLst>
+              <p:tags r:id="rId9"/>
+            </p:custDataLst>
+          </p:nvPr>
         </p:nvSpPr>
         <p:spPr>
           <a:xfrm>
@@ -3795,7 +3957,7 @@
           </a:fontRef>
         </p:style>
         <p:txBody>
-          <a:bodyPr rtlCol="0" anchor="ctr" wrap="square"/>
+          <a:bodyPr wrap="square" rtlCol="0" anchor="ctr"/>
           <a:lstStyle/>
           <a:p>
             <a:pPr algn="ctr"/>
@@ -3804,10 +3966,16 @@
                 <a:solidFill>
                   <a:srgbClr val="000000"/>
                 </a:solidFill>
-                <a:latin typeface="Microsoft YaHei"/>
+                <a:latin typeface="微软雅黑" panose="020B0503020204020204" charset="-122"/>
               </a:rPr>
               <a:t>沸腾</a:t>
             </a:r>
+            <a:endParaRPr sz="1400" b="1">
+              <a:solidFill>
+                <a:srgbClr val="000000"/>
+              </a:solidFill>
+              <a:latin typeface="微软雅黑" panose="020B0503020204020204" charset="-122"/>
+            </a:endParaRPr>
           </a:p>
         </p:txBody>
       </p:sp>
@@ -3815,7 +3983,11 @@
         <p:nvSpPr>
           <p:cNvPr id="12" name="Rounded Rectangle 11"/>
           <p:cNvSpPr/>
-          <p:nvPr/>
+          <p:nvPr>
+            <p:custDataLst>
+              <p:tags r:id="rId10"/>
+            </p:custDataLst>
+          </p:nvPr>
         </p:nvSpPr>
         <p:spPr>
           <a:xfrm>
@@ -3849,7 +4021,7 @@
           </a:fontRef>
         </p:style>
         <p:txBody>
-          <a:bodyPr rtlCol="0" anchor="ctr" wrap="square"/>
+          <a:bodyPr wrap="square" rtlCol="0" anchor="ctr"/>
           <a:lstStyle/>
           <a:p>
             <a:pPr algn="ctr"/>
@@ -3858,10 +4030,16 @@
                 <a:solidFill>
                   <a:srgbClr val="000000"/>
                 </a:solidFill>
-                <a:latin typeface="Microsoft YaHei"/>
+                <a:latin typeface="微软雅黑" panose="020B0503020204020204" charset="-122"/>
               </a:rPr>
               <a:t>冒烟</a:t>
             </a:r>
+            <a:endParaRPr sz="1400" b="1">
+              <a:solidFill>
+                <a:srgbClr val="000000"/>
+              </a:solidFill>
+              <a:latin typeface="微软雅黑" panose="020B0503020204020204" charset="-122"/>
+            </a:endParaRPr>
           </a:p>
         </p:txBody>
       </p:sp>
@@ -3869,7 +4047,11 @@
         <p:nvSpPr>
           <p:cNvPr id="13" name="Rounded Rectangle 12"/>
           <p:cNvSpPr/>
-          <p:nvPr/>
+          <p:nvPr>
+            <p:custDataLst>
+              <p:tags r:id="rId11"/>
+            </p:custDataLst>
+          </p:nvPr>
         </p:nvSpPr>
         <p:spPr>
           <a:xfrm>
@@ -3903,7 +4085,7 @@
           </a:fontRef>
         </p:style>
         <p:txBody>
-          <a:bodyPr rtlCol="0" anchor="ctr" wrap="square"/>
+          <a:bodyPr wrap="square" rtlCol="0" anchor="ctr"/>
           <a:lstStyle/>
           <a:p>
             <a:pPr algn="ctr"/>
@@ -3912,10 +4094,16 @@
                 <a:solidFill>
                   <a:srgbClr val="000000"/>
                 </a:solidFill>
-                <a:latin typeface="Microsoft YaHei"/>
+                <a:latin typeface="微软雅黑" panose="020B0503020204020204" charset="-122"/>
               </a:rPr>
               <a:t>着火</a:t>
             </a:r>
+            <a:endParaRPr sz="1400" b="1">
+              <a:solidFill>
+                <a:srgbClr val="000000"/>
+              </a:solidFill>
+              <a:latin typeface="微软雅黑" panose="020B0503020204020204" charset="-122"/>
+            </a:endParaRPr>
           </a:p>
         </p:txBody>
       </p:sp>
@@ -3946,10 +4134,16 @@
                 <a:solidFill>
                   <a:srgbClr val="000000"/>
                 </a:solidFill>
-                <a:latin typeface="Microsoft YaHei"/>
+                <a:latin typeface="微软雅黑" panose="020B0503020204020204" charset="-122"/>
               </a:rPr>
               <a:t>检测状态：</a:t>
             </a:r>
+            <a:endParaRPr sz="1400" b="1">
+              <a:solidFill>
+                <a:srgbClr val="000000"/>
+              </a:solidFill>
+              <a:latin typeface="微软雅黑" panose="020B0503020204020204" charset="-122"/>
+            </a:endParaRPr>
           </a:p>
         </p:txBody>
       </p:sp>
@@ -3962,7 +4156,7 @@
 </file>
 
 <file path=ppt/slides/slide3.xml><?xml version="1.0" encoding="utf-8"?>
-<p:sld xmlns:a="http://schemas.openxmlformats.org/drawingml/2006/main" xmlns:p="http://schemas.openxmlformats.org/presentationml/2006/main" xmlns:r="http://schemas.openxmlformats.org/officeDocument/2006/relationships">
+<p:sld xmlns:a="http://schemas.openxmlformats.org/drawingml/2006/main" xmlns:r="http://schemas.openxmlformats.org/officeDocument/2006/relationships" xmlns:p="http://schemas.openxmlformats.org/presentationml/2006/main">
   <p:cSld>
     <p:bg>
       <p:bgPr>
@@ -4007,10 +4201,16 @@
                 <a:solidFill>
                   <a:srgbClr val="003366"/>
                 </a:solidFill>
-                <a:latin typeface="Microsoft YaHei"/>
+                <a:latin typeface="微软雅黑" panose="020B0503020204020204" charset="-122"/>
               </a:rPr>
               <a:t>详细处理流程</a:t>
             </a:r>
+            <a:endParaRPr sz="3200" b="1">
+              <a:solidFill>
+                <a:srgbClr val="003366"/>
+              </a:solidFill>
+              <a:latin typeface="微软雅黑" panose="020B0503020204020204" charset="-122"/>
+            </a:endParaRPr>
           </a:p>
         </p:txBody>
       </p:sp>
@@ -4041,10 +4241,16 @@
                 <a:solidFill>
                   <a:srgbClr val="003366"/>
                 </a:solidFill>
-                <a:latin typeface="Microsoft YaHei"/>
+                <a:latin typeface="微软雅黑" panose="020B0503020204020204" charset="-122"/>
               </a:rPr>
               <a:t>数据准备</a:t>
             </a:r>
+            <a:endParaRPr sz="1600" b="1">
+              <a:solidFill>
+                <a:srgbClr val="003366"/>
+              </a:solidFill>
+              <a:latin typeface="微软雅黑" panose="020B0503020204020204" charset="-122"/>
+            </a:endParaRPr>
           </a:p>
         </p:txBody>
       </p:sp>
@@ -4086,7 +4292,7 @@
           </a:fontRef>
         </p:style>
         <p:txBody>
-          <a:bodyPr rtlCol="0" anchor="ctr" wrap="square"/>
+          <a:bodyPr wrap="square" rtlCol="0" anchor="ctr"/>
           <a:lstStyle/>
           <a:p>
             <a:pPr algn="ctr"/>
@@ -4095,10 +4301,16 @@
                 <a:solidFill>
                   <a:srgbClr val="000000"/>
                 </a:solidFill>
-                <a:latin typeface="Microsoft YaHei"/>
+                <a:latin typeface="微软雅黑" panose="020B0503020204020204" charset="-122"/>
               </a:rPr>
               <a:t>收集标记图像</a:t>
             </a:r>
+            <a:endParaRPr sz="1400" b="1">
+              <a:solidFill>
+                <a:srgbClr val="000000"/>
+              </a:solidFill>
+              <a:latin typeface="微软雅黑" panose="020B0503020204020204" charset="-122"/>
+            </a:endParaRPr>
           </a:p>
         </p:txBody>
       </p:sp>
@@ -4140,7 +4352,7 @@
           </a:fontRef>
         </p:style>
         <p:txBody>
-          <a:bodyPr rtlCol="0" anchor="ctr" wrap="square"/>
+          <a:bodyPr wrap="square" rtlCol="0" anchor="ctr"/>
           <a:lstStyle/>
           <a:p>
             <a:pPr algn="ctr"/>
@@ -4149,10 +4361,16 @@
                 <a:solidFill>
                   <a:srgbClr val="000000"/>
                 </a:solidFill>
-                <a:latin typeface="Microsoft YaHei"/>
+                <a:latin typeface="微软雅黑" panose="020B0503020204020204" charset="-122"/>
               </a:rPr>
               <a:t>数据增强</a:t>
             </a:r>
+            <a:endParaRPr sz="1400" b="1">
+              <a:solidFill>
+                <a:srgbClr val="000000"/>
+              </a:solidFill>
+              <a:latin typeface="微软雅黑" panose="020B0503020204020204" charset="-122"/>
+            </a:endParaRPr>
           </a:p>
         </p:txBody>
       </p:sp>
@@ -4194,7 +4412,7 @@
           </a:fontRef>
         </p:style>
         <p:txBody>
-          <a:bodyPr rtlCol="0" anchor="ctr" wrap="square"/>
+          <a:bodyPr wrap="square" rtlCol="0" anchor="ctr"/>
           <a:lstStyle/>
           <a:p>
             <a:pPr algn="ctr"/>
@@ -4203,10 +4421,16 @@
                 <a:solidFill>
                   <a:srgbClr val="000000"/>
                 </a:solidFill>
-                <a:latin typeface="Microsoft YaHei"/>
+                <a:latin typeface="微软雅黑" panose="020B0503020204020204" charset="-122"/>
               </a:rPr>
               <a:t>训练/验证分割</a:t>
             </a:r>
+            <a:endParaRPr sz="1400" b="1">
+              <a:solidFill>
+                <a:srgbClr val="000000"/>
+              </a:solidFill>
+              <a:latin typeface="微软雅黑" panose="020B0503020204020204" charset="-122"/>
+            </a:endParaRPr>
           </a:p>
         </p:txBody>
       </p:sp>
@@ -4218,7 +4442,7 @@
         </p:nvSpPr>
         <p:spPr>
           <a:xfrm>
-            <a:off x="3840480" y="1188720"/>
+            <a:off x="3573780" y="1188720"/>
             <a:ext cx="2286000" cy="365760"/>
           </a:xfrm>
           <a:prstGeom prst="rect">
@@ -4237,10 +4461,16 @@
                 <a:solidFill>
                   <a:srgbClr val="003366"/>
                 </a:solidFill>
-                <a:latin typeface="Microsoft YaHei"/>
+                <a:latin typeface="微软雅黑" panose="020B0503020204020204" charset="-122"/>
               </a:rPr>
               <a:t>模型训练</a:t>
             </a:r>
+            <a:endParaRPr sz="1600" b="1">
+              <a:solidFill>
+                <a:srgbClr val="003366"/>
+              </a:solidFill>
+              <a:latin typeface="微软雅黑" panose="020B0503020204020204" charset="-122"/>
+            </a:endParaRPr>
           </a:p>
         </p:txBody>
       </p:sp>
@@ -4252,7 +4482,7 @@
         </p:nvSpPr>
         <p:spPr>
           <a:xfrm>
-            <a:off x="3840480" y="1645920"/>
+            <a:off x="3573780" y="1645920"/>
             <a:ext cx="2286000" cy="731520"/>
           </a:xfrm>
           <a:prstGeom prst="roundRect">
@@ -4282,7 +4512,7 @@
           </a:fontRef>
         </p:style>
         <p:txBody>
-          <a:bodyPr rtlCol="0" anchor="ctr" wrap="square"/>
+          <a:bodyPr wrap="square" rtlCol="0" anchor="ctr"/>
           <a:lstStyle/>
           <a:p>
             <a:pPr algn="ctr"/>
@@ -4291,10 +4521,34 @@
                 <a:solidFill>
                   <a:srgbClr val="000000"/>
                 </a:solidFill>
-                <a:latin typeface="Microsoft YaHei"/>
+                <a:latin typeface="微软雅黑" panose="020B0503020204020204" charset="-122"/>
               </a:rPr>
-              <a:t>训练分类器\n(MobileNet v2)</a:t>
-            </a:r>
+              <a:t>训练分类器</a:t>
+            </a:r>
+            <a:endParaRPr sz="1400" b="1">
+              <a:solidFill>
+                <a:srgbClr val="000000"/>
+              </a:solidFill>
+              <a:latin typeface="微软雅黑" panose="020B0503020204020204" charset="-122"/>
+            </a:endParaRPr>
+          </a:p>
+          <a:p>
+            <a:pPr algn="ctr"/>
+            <a:r>
+              <a:rPr sz="1400" b="1">
+                <a:solidFill>
+                  <a:srgbClr val="000000"/>
+                </a:solidFill>
+                <a:latin typeface="微软雅黑" panose="020B0503020204020204" charset="-122"/>
+              </a:rPr>
+              <a:t>(MobileNet v2)</a:t>
+            </a:r>
+            <a:endParaRPr sz="1400" b="1">
+              <a:solidFill>
+                <a:srgbClr val="000000"/>
+              </a:solidFill>
+              <a:latin typeface="微软雅黑" panose="020B0503020204020204" charset="-122"/>
+            </a:endParaRPr>
           </a:p>
         </p:txBody>
       </p:sp>
@@ -4306,7 +4560,7 @@
         </p:nvSpPr>
         <p:spPr>
           <a:xfrm>
-            <a:off x="3840480" y="2468880"/>
+            <a:off x="3573780" y="2468880"/>
             <a:ext cx="2286000" cy="731520"/>
           </a:xfrm>
           <a:prstGeom prst="roundRect">
@@ -4336,7 +4590,7 @@
           </a:fontRef>
         </p:style>
         <p:txBody>
-          <a:bodyPr rtlCol="0" anchor="ctr" wrap="square"/>
+          <a:bodyPr wrap="square" rtlCol="0" anchor="ctr"/>
           <a:lstStyle/>
           <a:p>
             <a:pPr algn="ctr"/>
@@ -4345,10 +4599,16 @@
                 <a:solidFill>
                   <a:srgbClr val="000000"/>
                 </a:solidFill>
-                <a:latin typeface="Microsoft YaHei"/>
+                <a:latin typeface="微软雅黑" panose="020B0503020204020204" charset="-122"/>
               </a:rPr>
               <a:t>评估性能</a:t>
             </a:r>
+            <a:endParaRPr sz="1400" b="1">
+              <a:solidFill>
+                <a:srgbClr val="000000"/>
+              </a:solidFill>
+              <a:latin typeface="微软雅黑" panose="020B0503020204020204" charset="-122"/>
+            </a:endParaRPr>
           </a:p>
         </p:txBody>
       </p:sp>
@@ -4360,7 +4620,7 @@
         </p:nvSpPr>
         <p:spPr>
           <a:xfrm>
-            <a:off x="3840480" y="3291840"/>
+            <a:off x="3573780" y="3291840"/>
             <a:ext cx="2286000" cy="731520"/>
           </a:xfrm>
           <a:prstGeom prst="roundRect">
@@ -4390,7 +4650,7 @@
           </a:fontRef>
         </p:style>
         <p:txBody>
-          <a:bodyPr rtlCol="0" anchor="ctr" wrap="square"/>
+          <a:bodyPr wrap="square" rtlCol="0" anchor="ctr"/>
           <a:lstStyle/>
           <a:p>
             <a:pPr algn="ctr"/>
@@ -4399,10 +4659,16 @@
                 <a:solidFill>
                   <a:srgbClr val="000000"/>
                 </a:solidFill>
-                <a:latin typeface="Microsoft YaHei"/>
+                <a:latin typeface="微软雅黑" panose="020B0503020204020204" charset="-122"/>
               </a:rPr>
               <a:t>保存最佳模型</a:t>
             </a:r>
+            <a:endParaRPr sz="1400" b="1">
+              <a:solidFill>
+                <a:srgbClr val="000000"/>
+              </a:solidFill>
+              <a:latin typeface="微软雅黑" panose="020B0503020204020204" charset="-122"/>
+            </a:endParaRPr>
           </a:p>
         </p:txBody>
       </p:sp>
@@ -4414,7 +4680,7 @@
         </p:nvSpPr>
         <p:spPr>
           <a:xfrm>
-            <a:off x="6949440" y="1188720"/>
+            <a:off x="6377940" y="1188720"/>
             <a:ext cx="2286000" cy="365760"/>
           </a:xfrm>
           <a:prstGeom prst="rect">
@@ -4433,10 +4699,16 @@
                 <a:solidFill>
                   <a:srgbClr val="003366"/>
                 </a:solidFill>
-                <a:latin typeface="Microsoft YaHei"/>
+                <a:latin typeface="微软雅黑" panose="020B0503020204020204" charset="-122"/>
               </a:rPr>
               <a:t>生产预测</a:t>
             </a:r>
+            <a:endParaRPr sz="1600" b="1">
+              <a:solidFill>
+                <a:srgbClr val="003366"/>
+              </a:solidFill>
+              <a:latin typeface="微软雅黑" panose="020B0503020204020204" charset="-122"/>
+            </a:endParaRPr>
           </a:p>
         </p:txBody>
       </p:sp>
@@ -4448,7 +4720,7 @@
         </p:nvSpPr>
         <p:spPr>
           <a:xfrm>
-            <a:off x="6949440" y="1645920"/>
+            <a:off x="6377940" y="1645920"/>
             <a:ext cx="2286000" cy="731520"/>
           </a:xfrm>
           <a:prstGeom prst="roundRect">
@@ -4478,7 +4750,7 @@
           </a:fontRef>
         </p:style>
         <p:txBody>
-          <a:bodyPr rtlCol="0" anchor="ctr" wrap="square"/>
+          <a:bodyPr wrap="square" rtlCol="0" anchor="ctr"/>
           <a:lstStyle/>
           <a:p>
             <a:pPr algn="ctr"/>
@@ -4487,10 +4759,16 @@
                 <a:solidFill>
                   <a:srgbClr val="000000"/>
                 </a:solidFill>
-                <a:latin typeface="Microsoft YaHei"/>
+                <a:latin typeface="微软雅黑" panose="020B0503020204020204" charset="-122"/>
               </a:rPr>
               <a:t>圆形检测</a:t>
             </a:r>
+            <a:endParaRPr sz="1400" b="1">
+              <a:solidFill>
+                <a:srgbClr val="000000"/>
+              </a:solidFill>
+              <a:latin typeface="微软雅黑" panose="020B0503020204020204" charset="-122"/>
+            </a:endParaRPr>
           </a:p>
         </p:txBody>
       </p:sp>
@@ -4502,7 +4780,7 @@
         </p:nvSpPr>
         <p:spPr>
           <a:xfrm>
-            <a:off x="6949440" y="2468880"/>
+            <a:off x="6377940" y="2468880"/>
             <a:ext cx="2286000" cy="731520"/>
           </a:xfrm>
           <a:prstGeom prst="roundRect">
@@ -4532,7 +4810,7 @@
           </a:fontRef>
         </p:style>
         <p:txBody>
-          <a:bodyPr rtlCol="0" anchor="ctr" wrap="square"/>
+          <a:bodyPr wrap="square" rtlCol="0" anchor="ctr"/>
           <a:lstStyle/>
           <a:p>
             <a:pPr algn="ctr"/>
@@ -4541,10 +4819,16 @@
                 <a:solidFill>
                   <a:srgbClr val="000000"/>
                 </a:solidFill>
-                <a:latin typeface="Microsoft YaHei"/>
+                <a:latin typeface="微软雅黑" panose="020B0503020204020204" charset="-122"/>
               </a:rPr>
               <a:t>YOLO后备</a:t>
             </a:r>
+            <a:endParaRPr sz="1400" b="1">
+              <a:solidFill>
+                <a:srgbClr val="000000"/>
+              </a:solidFill>
+              <a:latin typeface="微软雅黑" panose="020B0503020204020204" charset="-122"/>
+            </a:endParaRPr>
           </a:p>
         </p:txBody>
       </p:sp>
@@ -4556,7 +4840,7 @@
         </p:nvSpPr>
         <p:spPr>
           <a:xfrm>
-            <a:off x="6949440" y="3291840"/>
+            <a:off x="6377940" y="3291840"/>
             <a:ext cx="2286000" cy="731520"/>
           </a:xfrm>
           <a:prstGeom prst="roundRect">
@@ -4586,7 +4870,7 @@
           </a:fontRef>
         </p:style>
         <p:txBody>
-          <a:bodyPr rtlCol="0" anchor="ctr" wrap="square"/>
+          <a:bodyPr wrap="square" rtlCol="0" anchor="ctr"/>
           <a:lstStyle/>
           <a:p>
             <a:pPr algn="ctr"/>
@@ -4595,10 +4879,16 @@
                 <a:solidFill>
                   <a:srgbClr val="000000"/>
                 </a:solidFill>
-                <a:latin typeface="Microsoft YaHei"/>
+                <a:latin typeface="微软雅黑" panose="020B0503020204020204" charset="-122"/>
               </a:rPr>
               <a:t>状态分类</a:t>
             </a:r>
+            <a:endParaRPr sz="1400" b="1">
+              <a:solidFill>
+                <a:srgbClr val="000000"/>
+              </a:solidFill>
+              <a:latin typeface="微软雅黑" panose="020B0503020204020204" charset="-122"/>
+            </a:endParaRPr>
           </a:p>
         </p:txBody>
       </p:sp>
@@ -4610,7 +4900,7 @@
         </p:nvSpPr>
         <p:spPr>
           <a:xfrm>
-            <a:off x="10058400" y="1188720"/>
+            <a:off x="9248775" y="1188720"/>
             <a:ext cx="2286000" cy="365760"/>
           </a:xfrm>
           <a:prstGeom prst="rect">
@@ -4629,10 +4919,16 @@
                 <a:solidFill>
                   <a:srgbClr val="003366"/>
                 </a:solidFill>
-                <a:latin typeface="Microsoft YaHei"/>
+                <a:latin typeface="微软雅黑" panose="020B0503020204020204" charset="-122"/>
               </a:rPr>
               <a:t>结果输出</a:t>
             </a:r>
+            <a:endParaRPr sz="1600" b="1">
+              <a:solidFill>
+                <a:srgbClr val="003366"/>
+              </a:solidFill>
+              <a:latin typeface="微软雅黑" panose="020B0503020204020204" charset="-122"/>
+            </a:endParaRPr>
           </a:p>
         </p:txBody>
       </p:sp>
@@ -4644,7 +4940,7 @@
         </p:nvSpPr>
         <p:spPr>
           <a:xfrm>
-            <a:off x="10058400" y="1645920"/>
+            <a:off x="9248775" y="1645920"/>
             <a:ext cx="2286000" cy="731520"/>
           </a:xfrm>
           <a:prstGeom prst="roundRect">
@@ -4674,7 +4970,7 @@
           </a:fontRef>
         </p:style>
         <p:txBody>
-          <a:bodyPr rtlCol="0" anchor="ctr" wrap="square"/>
+          <a:bodyPr wrap="square" rtlCol="0" anchor="ctr"/>
           <a:lstStyle/>
           <a:p>
             <a:pPr algn="ctr"/>
@@ -4683,10 +4979,16 @@
                 <a:solidFill>
                   <a:srgbClr val="000000"/>
                 </a:solidFill>
-                <a:latin typeface="Microsoft YaHei"/>
+                <a:latin typeface="微软雅黑" panose="020B0503020204020204" charset="-122"/>
               </a:rPr>
               <a:t>标记图像</a:t>
             </a:r>
+            <a:endParaRPr sz="1400" b="1">
+              <a:solidFill>
+                <a:srgbClr val="000000"/>
+              </a:solidFill>
+              <a:latin typeface="微软雅黑" panose="020B0503020204020204" charset="-122"/>
+            </a:endParaRPr>
           </a:p>
         </p:txBody>
       </p:sp>
@@ -4698,7 +5000,7 @@
         </p:nvSpPr>
         <p:spPr>
           <a:xfrm>
-            <a:off x="10058400" y="2468880"/>
+            <a:off x="9248775" y="2468880"/>
             <a:ext cx="2286000" cy="731520"/>
           </a:xfrm>
           <a:prstGeom prst="roundRect">
@@ -4728,7 +5030,7 @@
           </a:fontRef>
         </p:style>
         <p:txBody>
-          <a:bodyPr rtlCol="0" anchor="ctr" wrap="square"/>
+          <a:bodyPr wrap="square" rtlCol="0" anchor="ctr"/>
           <a:lstStyle/>
           <a:p>
             <a:pPr algn="ctr"/>
@@ -4737,10 +5039,16 @@
                 <a:solidFill>
                   <a:srgbClr val="000000"/>
                 </a:solidFill>
-                <a:latin typeface="Microsoft YaHei"/>
+                <a:latin typeface="微软雅黑" panose="020B0503020204020204" charset="-122"/>
               </a:rPr>
               <a:t>JSON报告</a:t>
             </a:r>
+            <a:endParaRPr sz="1400" b="1">
+              <a:solidFill>
+                <a:srgbClr val="000000"/>
+              </a:solidFill>
+              <a:latin typeface="微软雅黑" panose="020B0503020204020204" charset="-122"/>
+            </a:endParaRPr>
           </a:p>
         </p:txBody>
       </p:sp>
@@ -4752,7 +5060,7 @@
         </p:nvSpPr>
         <p:spPr>
           <a:xfrm>
-            <a:off x="10058400" y="3291840"/>
+            <a:off x="9248775" y="3291840"/>
             <a:ext cx="2286000" cy="731520"/>
           </a:xfrm>
           <a:prstGeom prst="roundRect">
@@ -4782,7 +5090,7 @@
           </a:fontRef>
         </p:style>
         <p:txBody>
-          <a:bodyPr rtlCol="0" anchor="ctr" wrap="square"/>
+          <a:bodyPr wrap="square" rtlCol="0" anchor="ctr"/>
           <a:lstStyle/>
           <a:p>
             <a:pPr algn="ctr"/>
@@ -4791,10 +5099,16 @@
                 <a:solidFill>
                   <a:srgbClr val="000000"/>
                 </a:solidFill>
-                <a:latin typeface="Microsoft YaHei"/>
+                <a:latin typeface="微软雅黑" panose="020B0503020204020204" charset="-122"/>
               </a:rPr>
               <a:t>性能指标</a:t>
             </a:r>
+            <a:endParaRPr sz="1400" b="1">
+              <a:solidFill>
+                <a:srgbClr val="000000"/>
+              </a:solidFill>
+              <a:latin typeface="微软雅黑" panose="020B0503020204020204" charset="-122"/>
+            </a:endParaRPr>
           </a:p>
         </p:txBody>
       </p:sp>
@@ -4807,7 +5121,7 @@
 </file>
 
 <file path=ppt/slides/slide4.xml><?xml version="1.0" encoding="utf-8"?>
-<p:sld xmlns:a="http://schemas.openxmlformats.org/drawingml/2006/main" xmlns:p="http://schemas.openxmlformats.org/presentationml/2006/main" xmlns:r="http://schemas.openxmlformats.org/officeDocument/2006/relationships">
+<p:sld xmlns:a="http://schemas.openxmlformats.org/drawingml/2006/main" xmlns:r="http://schemas.openxmlformats.org/officeDocument/2006/relationships" xmlns:p="http://schemas.openxmlformats.org/presentationml/2006/main">
   <p:cSld>
     <p:bg>
       <p:bgPr>
@@ -4852,10 +5166,16 @@
                 <a:solidFill>
                   <a:srgbClr val="003366"/>
                 </a:solidFill>
-                <a:latin typeface="Microsoft YaHei"/>
+                <a:latin typeface="微软雅黑" panose="020B0503020204020204" charset="-122"/>
               </a:rPr>
               <a:t>主要特点</a:t>
             </a:r>
+            <a:endParaRPr sz="3200" b="1">
+              <a:solidFill>
+                <a:srgbClr val="003366"/>
+              </a:solidFill>
+              <a:latin typeface="微软雅黑" panose="020B0503020204020204" charset="-122"/>
+            </a:endParaRPr>
           </a:p>
         </p:txBody>
       </p:sp>
@@ -4868,7 +5188,7 @@
         <p:spPr>
           <a:xfrm>
             <a:off x="1371600" y="1371600"/>
-            <a:ext cx="4572000" cy="731520"/>
+            <a:ext cx="2847340" cy="645160"/>
           </a:xfrm>
           <a:prstGeom prst="rect">
             <a:avLst/>
@@ -4886,10 +5206,33 @@
                 <a:solidFill>
                   <a:srgbClr val="003366"/>
                 </a:solidFill>
-                <a:latin typeface="Microsoft YaHei"/>
+                <a:latin typeface="微软雅黑" panose="020B0503020204020204" charset="-122"/>
               </a:rPr>
-              <a:t>🎯 混合检测\n圆形检测 + YOLO v8后备</a:t>
-            </a:r>
+              <a:t>🎯 混合检测</a:t>
+            </a:r>
+            <a:endParaRPr sz="1800" b="1">
+              <a:solidFill>
+                <a:srgbClr val="003366"/>
+              </a:solidFill>
+              <a:latin typeface="微软雅黑" panose="020B0503020204020204" charset="-122"/>
+            </a:endParaRPr>
+          </a:p>
+          <a:p>
+            <a:r>
+              <a:rPr sz="1800" b="1">
+                <a:solidFill>
+                  <a:srgbClr val="003366"/>
+                </a:solidFill>
+                <a:latin typeface="微软雅黑" panose="020B0503020204020204" charset="-122"/>
+              </a:rPr>
+              <a:t>圆形检测 + YOLO v8后备</a:t>
+            </a:r>
+            <a:endParaRPr sz="1800" b="1">
+              <a:solidFill>
+                <a:srgbClr val="003366"/>
+              </a:solidFill>
+              <a:latin typeface="微软雅黑" panose="020B0503020204020204" charset="-122"/>
+            </a:endParaRPr>
           </a:p>
         </p:txBody>
       </p:sp>
@@ -4902,7 +5245,7 @@
         <p:spPr>
           <a:xfrm>
             <a:off x="6400800" y="1371600"/>
-            <a:ext cx="4572000" cy="731520"/>
+            <a:ext cx="3324860" cy="645160"/>
           </a:xfrm>
           <a:prstGeom prst="rect">
             <a:avLst/>
@@ -4920,10 +5263,33 @@
                 <a:solidFill>
                   <a:srgbClr val="003366"/>
                 </a:solidFill>
-                <a:latin typeface="Microsoft YaHei"/>
+                <a:latin typeface="微软雅黑" panose="020B0503020204020204" charset="-122"/>
               </a:rPr>
-              <a:t>🧠 轻量级模型\nMobileNet v2（350万参数）</a:t>
-            </a:r>
+              <a:t>🧠 轻量级模型</a:t>
+            </a:r>
+            <a:endParaRPr sz="1800" b="1">
+              <a:solidFill>
+                <a:srgbClr val="003366"/>
+              </a:solidFill>
+              <a:latin typeface="微软雅黑" panose="020B0503020204020204" charset="-122"/>
+            </a:endParaRPr>
+          </a:p>
+          <a:p>
+            <a:r>
+              <a:rPr sz="1800" b="1">
+                <a:solidFill>
+                  <a:srgbClr val="003366"/>
+                </a:solidFill>
+                <a:latin typeface="微软雅黑" panose="020B0503020204020204" charset="-122"/>
+              </a:rPr>
+              <a:t>MobileNet v2（350万参数）</a:t>
+            </a:r>
+            <a:endParaRPr sz="1800" b="1">
+              <a:solidFill>
+                <a:srgbClr val="003366"/>
+              </a:solidFill>
+              <a:latin typeface="微软雅黑" panose="020B0503020204020204" charset="-122"/>
+            </a:endParaRPr>
           </a:p>
         </p:txBody>
       </p:sp>
@@ -4936,7 +5302,7 @@
         <p:spPr>
           <a:xfrm>
             <a:off x="1371600" y="2286000"/>
-            <a:ext cx="4572000" cy="731520"/>
+            <a:ext cx="1967865" cy="645160"/>
           </a:xfrm>
           <a:prstGeom prst="rect">
             <a:avLst/>
@@ -4954,10 +5320,33 @@
                 <a:solidFill>
                   <a:srgbClr val="003366"/>
                 </a:solidFill>
-                <a:latin typeface="Microsoft YaHei"/>
+                <a:latin typeface="微软雅黑" panose="020B0503020204020204" charset="-122"/>
               </a:rPr>
-              <a:t>📊 高准确率\n训练与验证100%</a:t>
-            </a:r>
+              <a:t>📊 高准确率</a:t>
+            </a:r>
+            <a:endParaRPr sz="1800" b="1">
+              <a:solidFill>
+                <a:srgbClr val="003366"/>
+              </a:solidFill>
+              <a:latin typeface="微软雅黑" panose="020B0503020204020204" charset="-122"/>
+            </a:endParaRPr>
+          </a:p>
+          <a:p>
+            <a:r>
+              <a:rPr sz="1800" b="1">
+                <a:solidFill>
+                  <a:srgbClr val="003366"/>
+                </a:solidFill>
+                <a:latin typeface="微软雅黑" panose="020B0503020204020204" charset="-122"/>
+              </a:rPr>
+              <a:t>训练与验证100%</a:t>
+            </a:r>
+            <a:endParaRPr sz="1800" b="1">
+              <a:solidFill>
+                <a:srgbClr val="003366"/>
+              </a:solidFill>
+              <a:latin typeface="微软雅黑" panose="020B0503020204020204" charset="-122"/>
+            </a:endParaRPr>
           </a:p>
         </p:txBody>
       </p:sp>
@@ -4970,7 +5359,7 @@
         <p:spPr>
           <a:xfrm>
             <a:off x="6400800" y="2286000"/>
-            <a:ext cx="4572000" cy="731520"/>
+            <a:ext cx="2021840" cy="645160"/>
           </a:xfrm>
           <a:prstGeom prst="rect">
             <a:avLst/>
@@ -4988,10 +5377,33 @@
                 <a:solidFill>
                   <a:srgbClr val="003366"/>
                 </a:solidFill>
-                <a:latin typeface="Microsoft YaHei"/>
+                <a:latin typeface="微软雅黑" panose="020B0503020204020204" charset="-122"/>
               </a:rPr>
-              <a:t>🖼️ 精准线框\n紧密贴合圆形锅具</a:t>
-            </a:r>
+              <a:t>🖼️ 精准线框</a:t>
+            </a:r>
+            <a:endParaRPr sz="1800" b="1">
+              <a:solidFill>
+                <a:srgbClr val="003366"/>
+              </a:solidFill>
+              <a:latin typeface="微软雅黑" panose="020B0503020204020204" charset="-122"/>
+            </a:endParaRPr>
+          </a:p>
+          <a:p>
+            <a:r>
+              <a:rPr sz="1800" b="1">
+                <a:solidFill>
+                  <a:srgbClr val="003366"/>
+                </a:solidFill>
+                <a:latin typeface="微软雅黑" panose="020B0503020204020204" charset="-122"/>
+              </a:rPr>
+              <a:t>紧密贴合圆形锅具</a:t>
+            </a:r>
+            <a:endParaRPr sz="1800" b="1">
+              <a:solidFill>
+                <a:srgbClr val="003366"/>
+              </a:solidFill>
+              <a:latin typeface="微软雅黑" panose="020B0503020204020204" charset="-122"/>
+            </a:endParaRPr>
           </a:p>
         </p:txBody>
       </p:sp>
@@ -5004,7 +5416,7 @@
         <p:spPr>
           <a:xfrm>
             <a:off x="1371600" y="3200400"/>
-            <a:ext cx="4572000" cy="731520"/>
+            <a:ext cx="2021840" cy="645160"/>
           </a:xfrm>
           <a:prstGeom prst="rect">
             <a:avLst/>
@@ -5022,10 +5434,33 @@
                 <a:solidFill>
                   <a:srgbClr val="003366"/>
                 </a:solidFill>
-                <a:latin typeface="Microsoft YaHei"/>
+                <a:latin typeface="微软雅黑" panose="020B0503020204020204" charset="-122"/>
               </a:rPr>
-              <a:t>🎨 颜色优化\n保留关键颜色特征</a:t>
-            </a:r>
+              <a:t>🎨 颜色优化</a:t>
+            </a:r>
+            <a:endParaRPr sz="1800" b="1">
+              <a:solidFill>
+                <a:srgbClr val="003366"/>
+              </a:solidFill>
+              <a:latin typeface="微软雅黑" panose="020B0503020204020204" charset="-122"/>
+            </a:endParaRPr>
+          </a:p>
+          <a:p>
+            <a:r>
+              <a:rPr sz="1800" b="1">
+                <a:solidFill>
+                  <a:srgbClr val="003366"/>
+                </a:solidFill>
+                <a:latin typeface="微软雅黑" panose="020B0503020204020204" charset="-122"/>
+              </a:rPr>
+              <a:t>保留关键颜色特征</a:t>
+            </a:r>
+            <a:endParaRPr sz="1800" b="1">
+              <a:solidFill>
+                <a:srgbClr val="003366"/>
+              </a:solidFill>
+              <a:latin typeface="微软雅黑" panose="020B0503020204020204" charset="-122"/>
+            </a:endParaRPr>
           </a:p>
         </p:txBody>
       </p:sp>
@@ -5038,7 +5473,7 @@
         <p:spPr>
           <a:xfrm>
             <a:off x="6400800" y="3200400"/>
-            <a:ext cx="4572000" cy="731520"/>
+            <a:ext cx="2021840" cy="645160"/>
           </a:xfrm>
           <a:prstGeom prst="rect">
             <a:avLst/>
@@ -5056,10 +5491,33 @@
                 <a:solidFill>
                   <a:srgbClr val="003366"/>
                 </a:solidFill>
-                <a:latin typeface="Microsoft YaHei"/>
+                <a:latin typeface="微软雅黑" panose="020B0503020204020204" charset="-122"/>
               </a:rPr>
-              <a:t>⚡ 快速推理\n针对边缘设备优化</a:t>
-            </a:r>
+              <a:t>⚡ 快速推理</a:t>
+            </a:r>
+            <a:endParaRPr sz="1800" b="1">
+              <a:solidFill>
+                <a:srgbClr val="003366"/>
+              </a:solidFill>
+              <a:latin typeface="微软雅黑" panose="020B0503020204020204" charset="-122"/>
+            </a:endParaRPr>
+          </a:p>
+          <a:p>
+            <a:r>
+              <a:rPr sz="1800" b="1">
+                <a:solidFill>
+                  <a:srgbClr val="003366"/>
+                </a:solidFill>
+                <a:latin typeface="微软雅黑" panose="020B0503020204020204" charset="-122"/>
+              </a:rPr>
+              <a:t>针对边缘设备优化</a:t>
+            </a:r>
+            <a:endParaRPr sz="1800" b="1">
+              <a:solidFill>
+                <a:srgbClr val="003366"/>
+              </a:solidFill>
+              <a:latin typeface="微软雅黑" panose="020B0503020204020204" charset="-122"/>
+            </a:endParaRPr>
           </a:p>
         </p:txBody>
       </p:sp>
@@ -5072,7 +5530,960 @@
 </file>
 
 <file path=ppt/slides/slide5.xml><?xml version="1.0" encoding="utf-8"?>
-<p:sld xmlns:a="http://schemas.openxmlformats.org/drawingml/2006/main" xmlns:p="http://schemas.openxmlformats.org/presentationml/2006/main" xmlns:r="http://schemas.openxmlformats.org/officeDocument/2006/relationships">
+<p:sld xmlns:a="http://schemas.openxmlformats.org/drawingml/2006/main" xmlns:r="http://schemas.openxmlformats.org/officeDocument/2006/relationships" xmlns:p="http://schemas.openxmlformats.org/presentationml/2006/main">
+  <p:cSld>
+    <p:spTree>
+      <p:nvGrpSpPr>
+        <p:cNvPr id="1" name=""/>
+        <p:cNvGrpSpPr/>
+        <p:nvPr/>
+      </p:nvGrpSpPr>
+      <p:grpSpPr/>
+      <p:sp>
+        <p:nvSpPr>
+          <p:cNvPr id="2" name="TextBox 1"/>
+          <p:cNvSpPr txBox="1"/>
+          <p:nvPr/>
+        </p:nvSpPr>
+        <p:spPr>
+          <a:xfrm>
+            <a:off x="4369816" y="274320"/>
+            <a:ext cx="3449320" cy="1076325"/>
+          </a:xfrm>
+          <a:prstGeom prst="rect">
+            <a:avLst/>
+          </a:prstGeom>
+          <a:noFill/>
+        </p:spPr>
+        <p:txBody>
+          <a:bodyPr wrap="none">
+            <a:spAutoFit/>
+          </a:bodyPr>
+          <a:lstStyle/>
+          <a:p>
+            <a:pPr algn="ctr"/>
+            <a:r>
+              <a:rPr lang="zh-CN" altLang="en-US" sz="3200" b="1">
+                <a:solidFill>
+                  <a:srgbClr val="003366"/>
+                </a:solidFill>
+              </a:rPr>
+              <a:t>模型预测性能结果</a:t>
+            </a:r>
+            <a:endParaRPr lang="zh-CN" altLang="en-US" sz="3200" b="1">
+              <a:solidFill>
+                <a:srgbClr val="003366"/>
+              </a:solidFill>
+            </a:endParaRPr>
+          </a:p>
+          <a:p>
+            <a:pPr algn="ctr"/>
+            <a:endParaRPr lang="zh-CN" altLang="en-US" sz="3200" b="1">
+              <a:solidFill>
+                <a:srgbClr val="003366"/>
+              </a:solidFill>
+            </a:endParaRPr>
+          </a:p>
+        </p:txBody>
+      </p:sp>
+      <p:sp>
+        <p:nvSpPr>
+          <p:cNvPr id="3" name="Rounded Rectangle 2"/>
+          <p:cNvSpPr/>
+          <p:nvPr/>
+        </p:nvSpPr>
+        <p:spPr>
+          <a:xfrm>
+            <a:off x="731520" y="1097280"/>
+            <a:ext cx="2743200" cy="1097280"/>
+          </a:xfrm>
+          <a:prstGeom prst="roundRect">
+            <a:avLst/>
+          </a:prstGeom>
+          <a:solidFill>
+            <a:srgbClr val="4CAF50"/>
+          </a:solidFill>
+          <a:ln w="25400">
+            <a:solidFill>
+              <a:srgbClr val="388E3C"/>
+            </a:solidFill>
+          </a:ln>
+        </p:spPr>
+        <p:style>
+          <a:lnRef idx="1">
+            <a:schemeClr val="accent1"/>
+          </a:lnRef>
+          <a:fillRef idx="3">
+            <a:schemeClr val="accent1"/>
+          </a:fillRef>
+          <a:effectRef idx="2">
+            <a:schemeClr val="accent1"/>
+          </a:effectRef>
+          <a:fontRef idx="minor">
+            <a:schemeClr val="lt1"/>
+          </a:fontRef>
+        </p:style>
+        <p:txBody>
+          <a:bodyPr rtlCol="0" anchor="ctr"/>
+          <a:lstStyle/>
+          <a:p>
+            <a:pPr algn="ctr"/>
+            <a:r>
+              <a:rPr lang="zh-CN" altLang="en-US" sz="1600" b="1">
+                <a:solidFill>
+                  <a:srgbClr val="FFFFFF"/>
+                </a:solidFill>
+              </a:rPr>
+              <a:t>训练准确率</a:t>
+            </a:r>
+            <a:endParaRPr lang="zh-CN" altLang="en-US" sz="1600" b="1">
+              <a:solidFill>
+                <a:srgbClr val="FFFFFF"/>
+              </a:solidFill>
+            </a:endParaRPr>
+          </a:p>
+          <a:p>
+            <a:pPr algn="ctr"/>
+            <a:r>
+              <a:rPr sz="4800" b="1">
+                <a:solidFill>
+                  <a:srgbClr val="FFFFFF"/>
+                </a:solidFill>
+              </a:rPr>
+              <a:t>100%</a:t>
+            </a:r>
+            <a:endParaRPr sz="4800" b="1">
+              <a:solidFill>
+                <a:srgbClr val="FFFFFF"/>
+              </a:solidFill>
+            </a:endParaRPr>
+          </a:p>
+        </p:txBody>
+      </p:sp>
+      <p:sp>
+        <p:nvSpPr>
+          <p:cNvPr id="4" name="Rounded Rectangle 3"/>
+          <p:cNvSpPr/>
+          <p:nvPr/>
+        </p:nvSpPr>
+        <p:spPr>
+          <a:xfrm>
+            <a:off x="3840480" y="1097280"/>
+            <a:ext cx="3657600" cy="1097280"/>
+          </a:xfrm>
+          <a:prstGeom prst="roundRect">
+            <a:avLst/>
+          </a:prstGeom>
+          <a:solidFill>
+            <a:srgbClr val="2196F3"/>
+          </a:solidFill>
+          <a:ln w="25400">
+            <a:solidFill>
+              <a:srgbClr val="1565C0"/>
+            </a:solidFill>
+          </a:ln>
+        </p:spPr>
+        <p:style>
+          <a:lnRef idx="1">
+            <a:schemeClr val="accent1"/>
+          </a:lnRef>
+          <a:fillRef idx="3">
+            <a:schemeClr val="accent1"/>
+          </a:fillRef>
+          <a:effectRef idx="2">
+            <a:schemeClr val="accent1"/>
+          </a:effectRef>
+          <a:fontRef idx="minor">
+            <a:schemeClr val="lt1"/>
+          </a:fontRef>
+        </p:style>
+        <p:txBody>
+          <a:bodyPr rtlCol="0" anchor="ctr"/>
+          <a:lstStyle/>
+          <a:p>
+            <a:pPr algn="ctr"/>
+            <a:r>
+              <a:rPr lang="zh-CN" altLang="en-US" sz="1600" b="1">
+                <a:solidFill>
+                  <a:srgbClr val="FFFFFF"/>
+                </a:solidFill>
+              </a:rPr>
+              <a:t>模型</a:t>
+            </a:r>
+            <a:endParaRPr lang="zh-CN" altLang="en-US" sz="1600" b="1">
+              <a:solidFill>
+                <a:srgbClr val="FFFFFF"/>
+              </a:solidFill>
+            </a:endParaRPr>
+          </a:p>
+          <a:p>
+            <a:pPr algn="ctr"/>
+            <a:r>
+              <a:rPr sz="2400" b="1">
+                <a:solidFill>
+                  <a:srgbClr val="FFFFFF"/>
+                </a:solidFill>
+              </a:rPr>
+              <a:t>MobileNet v2</a:t>
+            </a:r>
+            <a:endParaRPr sz="2400" b="1">
+              <a:solidFill>
+                <a:srgbClr val="FFFFFF"/>
+              </a:solidFill>
+            </a:endParaRPr>
+          </a:p>
+          <a:p>
+            <a:pPr algn="ctr"/>
+            <a:r>
+              <a:rPr sz="1400">
+                <a:solidFill>
+                  <a:srgbClr val="FFFFFF"/>
+                </a:solidFill>
+              </a:rPr>
+              <a:t>~3.5M</a:t>
+            </a:r>
+            <a:r>
+              <a:rPr lang="zh-CN" altLang="en-US" sz="1400">
+                <a:solidFill>
+                  <a:srgbClr val="FFFFFF"/>
+                </a:solidFill>
+              </a:rPr>
+              <a:t>参数</a:t>
+            </a:r>
+            <a:endParaRPr lang="zh-CN" altLang="en-US" sz="1400">
+              <a:solidFill>
+                <a:srgbClr val="FFFFFF"/>
+              </a:solidFill>
+            </a:endParaRPr>
+          </a:p>
+        </p:txBody>
+      </p:sp>
+      <p:sp>
+        <p:nvSpPr>
+          <p:cNvPr id="5" name="Rounded Rectangle 4"/>
+          <p:cNvSpPr/>
+          <p:nvPr/>
+        </p:nvSpPr>
+        <p:spPr>
+          <a:xfrm>
+            <a:off x="7863840" y="1097280"/>
+            <a:ext cx="3200400" cy="1097280"/>
+          </a:xfrm>
+          <a:prstGeom prst="roundRect">
+            <a:avLst/>
+          </a:prstGeom>
+          <a:solidFill>
+            <a:srgbClr val="FF9800"/>
+          </a:solidFill>
+          <a:ln w="25400">
+            <a:solidFill>
+              <a:srgbClr val="E65100"/>
+            </a:solidFill>
+          </a:ln>
+        </p:spPr>
+        <p:style>
+          <a:lnRef idx="1">
+            <a:schemeClr val="accent1"/>
+          </a:lnRef>
+          <a:fillRef idx="3">
+            <a:schemeClr val="accent1"/>
+          </a:fillRef>
+          <a:effectRef idx="2">
+            <a:schemeClr val="accent1"/>
+          </a:effectRef>
+          <a:fontRef idx="minor">
+            <a:schemeClr val="lt1"/>
+          </a:fontRef>
+        </p:style>
+        <p:txBody>
+          <a:bodyPr rtlCol="0" anchor="ctr"/>
+          <a:lstStyle/>
+          <a:p>
+            <a:pPr algn="ctr"/>
+            <a:r>
+              <a:rPr lang="zh-CN" altLang="en-US" sz="1600" b="1">
+                <a:solidFill>
+                  <a:srgbClr val="FFFFFF"/>
+                </a:solidFill>
+              </a:rPr>
+              <a:t>验证准确率</a:t>
+            </a:r>
+            <a:endParaRPr lang="zh-CN" altLang="en-US" sz="1600" b="1">
+              <a:solidFill>
+                <a:srgbClr val="FFFFFF"/>
+              </a:solidFill>
+            </a:endParaRPr>
+          </a:p>
+          <a:p>
+            <a:pPr algn="ctr"/>
+            <a:r>
+              <a:rPr sz="3600" b="1">
+                <a:solidFill>
+                  <a:srgbClr val="FFFFFF"/>
+                </a:solidFill>
+              </a:rPr>
+              <a:t>100% (4/4)</a:t>
+            </a:r>
+            <a:endParaRPr sz="3600" b="1">
+              <a:solidFill>
+                <a:srgbClr val="FFFFFF"/>
+              </a:solidFill>
+            </a:endParaRPr>
+          </a:p>
+        </p:txBody>
+      </p:sp>
+      <p:sp>
+        <p:nvSpPr>
+          <p:cNvPr id="6" name="TextBox 5"/>
+          <p:cNvSpPr txBox="1"/>
+          <p:nvPr/>
+        </p:nvSpPr>
+        <p:spPr>
+          <a:xfrm>
+            <a:off x="731520" y="2377440"/>
+            <a:ext cx="1562100" cy="368300"/>
+          </a:xfrm>
+          <a:prstGeom prst="rect">
+            <a:avLst/>
+          </a:prstGeom>
+          <a:noFill/>
+        </p:spPr>
+        <p:txBody>
+          <a:bodyPr wrap="none">
+            <a:spAutoFit/>
+          </a:bodyPr>
+          <a:lstStyle/>
+          <a:p>
+            <a:pPr algn="l"/>
+            <a:r>
+              <a:rPr lang="zh-CN" altLang="en-US" sz="1800" b="1">
+                <a:solidFill>
+                  <a:srgbClr val="003366"/>
+                </a:solidFill>
+              </a:rPr>
+              <a:t>最新预测结果</a:t>
+            </a:r>
+            <a:endParaRPr lang="zh-CN" altLang="en-US" sz="1800" b="1">
+              <a:solidFill>
+                <a:srgbClr val="003366"/>
+              </a:solidFill>
+            </a:endParaRPr>
+          </a:p>
+        </p:txBody>
+      </p:sp>
+      <p:sp>
+        <p:nvSpPr>
+          <p:cNvPr id="7" name="TextBox 6"/>
+          <p:cNvSpPr txBox="1"/>
+          <p:nvPr/>
+        </p:nvSpPr>
+        <p:spPr>
+          <a:xfrm>
+            <a:off x="731520" y="2834640"/>
+            <a:ext cx="3200400" cy="457200"/>
+          </a:xfrm>
+          <a:prstGeom prst="rect">
+            <a:avLst/>
+          </a:prstGeom>
+          <a:noFill/>
+        </p:spPr>
+        <p:txBody>
+          <a:bodyPr wrap="none" anchor="ctr">
+            <a:spAutoFit/>
+          </a:bodyPr>
+          <a:lstStyle/>
+          <a:p>
+            <a:r>
+              <a:rPr sz="1100"/>
+              <a:t>cooking-pot_normal_01.jpg</a:t>
+            </a:r>
+            <a:endParaRPr sz="1100"/>
+          </a:p>
+        </p:txBody>
+      </p:sp>
+      <p:sp>
+        <p:nvSpPr>
+          <p:cNvPr id="8" name="TextBox 7"/>
+          <p:cNvSpPr txBox="1"/>
+          <p:nvPr>
+            <p:custDataLst>
+              <p:tags r:id="rId1"/>
+            </p:custDataLst>
+          </p:nvPr>
+        </p:nvSpPr>
+        <p:spPr>
+          <a:xfrm>
+            <a:off x="4114800" y="2925445"/>
+            <a:ext cx="871220" cy="275590"/>
+          </a:xfrm>
+          <a:prstGeom prst="rect">
+            <a:avLst/>
+          </a:prstGeom>
+          <a:noFill/>
+        </p:spPr>
+        <p:txBody>
+          <a:bodyPr wrap="none" anchor="ctr">
+            <a:spAutoFit/>
+          </a:bodyPr>
+          <a:lstStyle/>
+          <a:p>
+            <a:r>
+              <a:rPr lang="zh-CN" sz="1200" b="1"/>
+              <a:t>预测</a:t>
+            </a:r>
+            <a:r>
+              <a:rPr sz="1200" b="1"/>
+              <a:t>: </a:t>
+            </a:r>
+            <a:r>
+              <a:rPr lang="zh-CN" sz="1200" b="1"/>
+              <a:t>安全</a:t>
+            </a:r>
+            <a:endParaRPr lang="zh-CN" sz="1200" b="1"/>
+          </a:p>
+        </p:txBody>
+      </p:sp>
+      <p:sp>
+        <p:nvSpPr>
+          <p:cNvPr id="9" name="TextBox 8"/>
+          <p:cNvSpPr txBox="1"/>
+          <p:nvPr>
+            <p:custDataLst>
+              <p:tags r:id="rId2"/>
+            </p:custDataLst>
+          </p:nvPr>
+        </p:nvSpPr>
+        <p:spPr>
+          <a:xfrm>
+            <a:off x="6126480" y="2834640"/>
+            <a:ext cx="1371600" cy="457200"/>
+          </a:xfrm>
+          <a:prstGeom prst="rect">
+            <a:avLst/>
+          </a:prstGeom>
+          <a:noFill/>
+        </p:spPr>
+        <p:txBody>
+          <a:bodyPr wrap="none" anchor="ctr">
+            <a:spAutoFit/>
+          </a:bodyPr>
+          <a:lstStyle/>
+          <a:p>
+            <a:pPr algn="ctr"/>
+            <a:r>
+              <a:rPr sz="1200"/>
+              <a:t>36.2%</a:t>
+            </a:r>
+            <a:endParaRPr sz="1200"/>
+          </a:p>
+        </p:txBody>
+      </p:sp>
+      <p:sp>
+        <p:nvSpPr>
+          <p:cNvPr id="10" name="TextBox 9"/>
+          <p:cNvSpPr txBox="1"/>
+          <p:nvPr>
+            <p:custDataLst>
+              <p:tags r:id="rId3"/>
+            </p:custDataLst>
+          </p:nvPr>
+        </p:nvSpPr>
+        <p:spPr>
+          <a:xfrm>
+            <a:off x="7680960" y="2834640"/>
+            <a:ext cx="548640" cy="457200"/>
+          </a:xfrm>
+          <a:prstGeom prst="rect">
+            <a:avLst/>
+          </a:prstGeom>
+          <a:noFill/>
+        </p:spPr>
+        <p:txBody>
+          <a:bodyPr wrap="none" anchor="ctr">
+            <a:spAutoFit/>
+          </a:bodyPr>
+          <a:lstStyle/>
+          <a:p>
+            <a:pPr algn="ctr"/>
+            <a:r>
+              <a:rPr sz="2000" b="1">
+                <a:solidFill>
+                  <a:srgbClr val="4CAF50"/>
+                </a:solidFill>
+              </a:rPr>
+              <a:t>✓</a:t>
+            </a:r>
+            <a:endParaRPr sz="2000" b="1">
+              <a:solidFill>
+                <a:srgbClr val="4CAF50"/>
+              </a:solidFill>
+            </a:endParaRPr>
+          </a:p>
+        </p:txBody>
+      </p:sp>
+      <p:sp>
+        <p:nvSpPr>
+          <p:cNvPr id="11" name="TextBox 10"/>
+          <p:cNvSpPr txBox="1"/>
+          <p:nvPr/>
+        </p:nvSpPr>
+        <p:spPr>
+          <a:xfrm>
+            <a:off x="731520" y="3383280"/>
+            <a:ext cx="3200400" cy="457200"/>
+          </a:xfrm>
+          <a:prstGeom prst="rect">
+            <a:avLst/>
+          </a:prstGeom>
+          <a:noFill/>
+        </p:spPr>
+        <p:txBody>
+          <a:bodyPr wrap="none" anchor="ctr">
+            <a:spAutoFit/>
+          </a:bodyPr>
+          <a:lstStyle/>
+          <a:p>
+            <a:r>
+              <a:rPr sz="1100"/>
+              <a:t>frying-pan_boiling_01.jpg</a:t>
+            </a:r>
+            <a:endParaRPr sz="1100"/>
+          </a:p>
+        </p:txBody>
+      </p:sp>
+      <p:sp>
+        <p:nvSpPr>
+          <p:cNvPr id="12" name="TextBox 11"/>
+          <p:cNvSpPr txBox="1"/>
+          <p:nvPr>
+            <p:custDataLst>
+              <p:tags r:id="rId4"/>
+            </p:custDataLst>
+          </p:nvPr>
+        </p:nvSpPr>
+        <p:spPr>
+          <a:xfrm>
+            <a:off x="4114800" y="3474085"/>
+            <a:ext cx="871220" cy="275590"/>
+          </a:xfrm>
+          <a:prstGeom prst="rect">
+            <a:avLst/>
+          </a:prstGeom>
+          <a:noFill/>
+        </p:spPr>
+        <p:txBody>
+          <a:bodyPr wrap="none" anchor="ctr">
+            <a:spAutoFit/>
+          </a:bodyPr>
+          <a:lstStyle/>
+          <a:p>
+            <a:pPr algn="l"/>
+            <a:r>
+              <a:rPr lang="zh-CN" altLang="en-US" sz="1200" b="1"/>
+              <a:t>预测</a:t>
+            </a:r>
+            <a:r>
+              <a:rPr sz="1200" b="1"/>
+              <a:t>: </a:t>
+            </a:r>
+            <a:r>
+              <a:rPr lang="zh-CN" sz="1200" b="1"/>
+              <a:t>开锅</a:t>
+            </a:r>
+            <a:endParaRPr lang="zh-CN" sz="1200" b="1"/>
+          </a:p>
+        </p:txBody>
+      </p:sp>
+      <p:sp>
+        <p:nvSpPr>
+          <p:cNvPr id="13" name="TextBox 12"/>
+          <p:cNvSpPr txBox="1"/>
+          <p:nvPr>
+            <p:custDataLst>
+              <p:tags r:id="rId5"/>
+            </p:custDataLst>
+          </p:nvPr>
+        </p:nvSpPr>
+        <p:spPr>
+          <a:xfrm>
+            <a:off x="6126480" y="3383280"/>
+            <a:ext cx="1371600" cy="457200"/>
+          </a:xfrm>
+          <a:prstGeom prst="rect">
+            <a:avLst/>
+          </a:prstGeom>
+          <a:noFill/>
+        </p:spPr>
+        <p:txBody>
+          <a:bodyPr wrap="none" anchor="ctr">
+            <a:spAutoFit/>
+          </a:bodyPr>
+          <a:lstStyle/>
+          <a:p>
+            <a:pPr algn="ctr"/>
+            <a:r>
+              <a:rPr sz="1200"/>
+              <a:t>66.5%</a:t>
+            </a:r>
+            <a:endParaRPr sz="1200"/>
+          </a:p>
+        </p:txBody>
+      </p:sp>
+      <p:sp>
+        <p:nvSpPr>
+          <p:cNvPr id="14" name="TextBox 13"/>
+          <p:cNvSpPr txBox="1"/>
+          <p:nvPr>
+            <p:custDataLst>
+              <p:tags r:id="rId6"/>
+            </p:custDataLst>
+          </p:nvPr>
+        </p:nvSpPr>
+        <p:spPr>
+          <a:xfrm>
+            <a:off x="7680960" y="3383280"/>
+            <a:ext cx="548640" cy="457200"/>
+          </a:xfrm>
+          <a:prstGeom prst="rect">
+            <a:avLst/>
+          </a:prstGeom>
+          <a:noFill/>
+        </p:spPr>
+        <p:txBody>
+          <a:bodyPr wrap="none" anchor="ctr">
+            <a:spAutoFit/>
+          </a:bodyPr>
+          <a:lstStyle/>
+          <a:p>
+            <a:pPr algn="ctr"/>
+            <a:r>
+              <a:rPr sz="2000" b="1">
+                <a:solidFill>
+                  <a:srgbClr val="4CAF50"/>
+                </a:solidFill>
+              </a:rPr>
+              <a:t>✓</a:t>
+            </a:r>
+            <a:endParaRPr sz="2000" b="1">
+              <a:solidFill>
+                <a:srgbClr val="4CAF50"/>
+              </a:solidFill>
+            </a:endParaRPr>
+          </a:p>
+        </p:txBody>
+      </p:sp>
+      <p:sp>
+        <p:nvSpPr>
+          <p:cNvPr id="15" name="TextBox 14"/>
+          <p:cNvSpPr txBox="1"/>
+          <p:nvPr/>
+        </p:nvSpPr>
+        <p:spPr>
+          <a:xfrm>
+            <a:off x="731520" y="3931920"/>
+            <a:ext cx="3200400" cy="457200"/>
+          </a:xfrm>
+          <a:prstGeom prst="rect">
+            <a:avLst/>
+          </a:prstGeom>
+          <a:noFill/>
+        </p:spPr>
+        <p:txBody>
+          <a:bodyPr wrap="none" anchor="ctr">
+            <a:spAutoFit/>
+          </a:bodyPr>
+          <a:lstStyle/>
+          <a:p>
+            <a:r>
+              <a:rPr sz="1100"/>
+              <a:t>frying-pan_on-fire_01.jpg</a:t>
+            </a:r>
+            <a:endParaRPr sz="1100"/>
+          </a:p>
+        </p:txBody>
+      </p:sp>
+      <p:sp>
+        <p:nvSpPr>
+          <p:cNvPr id="16" name="TextBox 15"/>
+          <p:cNvSpPr txBox="1"/>
+          <p:nvPr>
+            <p:custDataLst>
+              <p:tags r:id="rId7"/>
+            </p:custDataLst>
+          </p:nvPr>
+        </p:nvSpPr>
+        <p:spPr>
+          <a:xfrm>
+            <a:off x="4114800" y="4022725"/>
+            <a:ext cx="871220" cy="275590"/>
+          </a:xfrm>
+          <a:prstGeom prst="rect">
+            <a:avLst/>
+          </a:prstGeom>
+          <a:noFill/>
+        </p:spPr>
+        <p:txBody>
+          <a:bodyPr wrap="none" anchor="ctr">
+            <a:spAutoFit/>
+          </a:bodyPr>
+          <a:lstStyle/>
+          <a:p>
+            <a:pPr algn="l"/>
+            <a:r>
+              <a:rPr lang="zh-CN" altLang="en-US" sz="1200" b="1"/>
+              <a:t>预测</a:t>
+            </a:r>
+            <a:r>
+              <a:rPr sz="1200" b="1"/>
+              <a:t>: </a:t>
+            </a:r>
+            <a:r>
+              <a:rPr lang="zh-CN" sz="1200" b="1"/>
+              <a:t>着火</a:t>
+            </a:r>
+            <a:endParaRPr lang="zh-CN" sz="1200" b="1"/>
+          </a:p>
+        </p:txBody>
+      </p:sp>
+      <p:sp>
+        <p:nvSpPr>
+          <p:cNvPr id="17" name="TextBox 16"/>
+          <p:cNvSpPr txBox="1"/>
+          <p:nvPr>
+            <p:custDataLst>
+              <p:tags r:id="rId8"/>
+            </p:custDataLst>
+          </p:nvPr>
+        </p:nvSpPr>
+        <p:spPr>
+          <a:xfrm>
+            <a:off x="6126480" y="3931920"/>
+            <a:ext cx="1371600" cy="457200"/>
+          </a:xfrm>
+          <a:prstGeom prst="rect">
+            <a:avLst/>
+          </a:prstGeom>
+          <a:noFill/>
+        </p:spPr>
+        <p:txBody>
+          <a:bodyPr wrap="none" anchor="ctr">
+            <a:spAutoFit/>
+          </a:bodyPr>
+          <a:lstStyle/>
+          <a:p>
+            <a:pPr algn="ctr"/>
+            <a:r>
+              <a:rPr sz="1200"/>
+              <a:t>54.3%</a:t>
+            </a:r>
+            <a:endParaRPr sz="1200"/>
+          </a:p>
+        </p:txBody>
+      </p:sp>
+      <p:sp>
+        <p:nvSpPr>
+          <p:cNvPr id="18" name="TextBox 17"/>
+          <p:cNvSpPr txBox="1"/>
+          <p:nvPr>
+            <p:custDataLst>
+              <p:tags r:id="rId9"/>
+            </p:custDataLst>
+          </p:nvPr>
+        </p:nvSpPr>
+        <p:spPr>
+          <a:xfrm>
+            <a:off x="7680960" y="3931920"/>
+            <a:ext cx="548640" cy="457200"/>
+          </a:xfrm>
+          <a:prstGeom prst="rect">
+            <a:avLst/>
+          </a:prstGeom>
+          <a:noFill/>
+        </p:spPr>
+        <p:txBody>
+          <a:bodyPr wrap="none" anchor="ctr">
+            <a:spAutoFit/>
+          </a:bodyPr>
+          <a:lstStyle/>
+          <a:p>
+            <a:pPr algn="ctr"/>
+            <a:r>
+              <a:rPr sz="2000" b="1">
+                <a:solidFill>
+                  <a:srgbClr val="4CAF50"/>
+                </a:solidFill>
+              </a:rPr>
+              <a:t>✓</a:t>
+            </a:r>
+            <a:endParaRPr sz="2000" b="1">
+              <a:solidFill>
+                <a:srgbClr val="4CAF50"/>
+              </a:solidFill>
+            </a:endParaRPr>
+          </a:p>
+        </p:txBody>
+      </p:sp>
+      <p:sp>
+        <p:nvSpPr>
+          <p:cNvPr id="19" name="TextBox 18"/>
+          <p:cNvSpPr txBox="1"/>
+          <p:nvPr/>
+        </p:nvSpPr>
+        <p:spPr>
+          <a:xfrm>
+            <a:off x="731520" y="4480560"/>
+            <a:ext cx="3200400" cy="457200"/>
+          </a:xfrm>
+          <a:prstGeom prst="rect">
+            <a:avLst/>
+          </a:prstGeom>
+          <a:noFill/>
+        </p:spPr>
+        <p:txBody>
+          <a:bodyPr wrap="none" anchor="ctr">
+            <a:spAutoFit/>
+          </a:bodyPr>
+          <a:lstStyle/>
+          <a:p>
+            <a:r>
+              <a:rPr sz="1100"/>
+              <a:t>frying-pan_smoking_01.jpg</a:t>
+            </a:r>
+            <a:endParaRPr sz="1100"/>
+          </a:p>
+        </p:txBody>
+      </p:sp>
+      <p:sp>
+        <p:nvSpPr>
+          <p:cNvPr id="20" name="TextBox 19"/>
+          <p:cNvSpPr txBox="1"/>
+          <p:nvPr>
+            <p:custDataLst>
+              <p:tags r:id="rId10"/>
+            </p:custDataLst>
+          </p:nvPr>
+        </p:nvSpPr>
+        <p:spPr>
+          <a:xfrm>
+            <a:off x="4114800" y="4571365"/>
+            <a:ext cx="871220" cy="275590"/>
+          </a:xfrm>
+          <a:prstGeom prst="rect">
+            <a:avLst/>
+          </a:prstGeom>
+          <a:noFill/>
+        </p:spPr>
+        <p:txBody>
+          <a:bodyPr wrap="none" anchor="ctr">
+            <a:spAutoFit/>
+          </a:bodyPr>
+          <a:lstStyle/>
+          <a:p>
+            <a:pPr algn="l"/>
+            <a:r>
+              <a:rPr lang="zh-CN" altLang="en-US" sz="1200" b="1"/>
+              <a:t>预测</a:t>
+            </a:r>
+            <a:r>
+              <a:rPr sz="1200" b="1"/>
+              <a:t>: </a:t>
+            </a:r>
+            <a:r>
+              <a:rPr lang="zh-CN" sz="1200" b="1"/>
+              <a:t>冒烟</a:t>
+            </a:r>
+            <a:endParaRPr lang="zh-CN" sz="1200" b="1"/>
+          </a:p>
+        </p:txBody>
+      </p:sp>
+      <p:sp>
+        <p:nvSpPr>
+          <p:cNvPr id="21" name="TextBox 20"/>
+          <p:cNvSpPr txBox="1"/>
+          <p:nvPr>
+            <p:custDataLst>
+              <p:tags r:id="rId11"/>
+            </p:custDataLst>
+          </p:nvPr>
+        </p:nvSpPr>
+        <p:spPr>
+          <a:xfrm>
+            <a:off x="6126480" y="4480560"/>
+            <a:ext cx="1371600" cy="457200"/>
+          </a:xfrm>
+          <a:prstGeom prst="rect">
+            <a:avLst/>
+          </a:prstGeom>
+          <a:noFill/>
+        </p:spPr>
+        <p:txBody>
+          <a:bodyPr wrap="none" anchor="ctr">
+            <a:spAutoFit/>
+          </a:bodyPr>
+          <a:lstStyle/>
+          <a:p>
+            <a:pPr algn="ctr"/>
+            <a:r>
+              <a:rPr sz="1200"/>
+              <a:t>42.8%</a:t>
+            </a:r>
+            <a:endParaRPr sz="1200"/>
+          </a:p>
+        </p:txBody>
+      </p:sp>
+      <p:sp>
+        <p:nvSpPr>
+          <p:cNvPr id="22" name="TextBox 21"/>
+          <p:cNvSpPr txBox="1"/>
+          <p:nvPr>
+            <p:custDataLst>
+              <p:tags r:id="rId12"/>
+            </p:custDataLst>
+          </p:nvPr>
+        </p:nvSpPr>
+        <p:spPr>
+          <a:xfrm>
+            <a:off x="7680960" y="4480560"/>
+            <a:ext cx="548640" cy="457200"/>
+          </a:xfrm>
+          <a:prstGeom prst="rect">
+            <a:avLst/>
+          </a:prstGeom>
+          <a:noFill/>
+        </p:spPr>
+        <p:txBody>
+          <a:bodyPr wrap="none" anchor="ctr">
+            <a:spAutoFit/>
+          </a:bodyPr>
+          <a:lstStyle/>
+          <a:p>
+            <a:pPr algn="ctr"/>
+            <a:r>
+              <a:rPr sz="2000" b="1">
+                <a:solidFill>
+                  <a:srgbClr val="4CAF50"/>
+                </a:solidFill>
+              </a:rPr>
+              <a:t>✓</a:t>
+            </a:r>
+            <a:endParaRPr sz="2000" b="1">
+              <a:solidFill>
+                <a:srgbClr val="4CAF50"/>
+              </a:solidFill>
+            </a:endParaRPr>
+          </a:p>
+        </p:txBody>
+      </p:sp>
+    </p:spTree>
+  </p:cSld>
+  <p:clrMapOvr>
+    <a:masterClrMapping/>
+  </p:clrMapOvr>
+</p:sld>
+</file>
+
+<file path=ppt/slides/slide6.xml><?xml version="1.0" encoding="utf-8"?>
+<p:sld xmlns:a="http://schemas.openxmlformats.org/drawingml/2006/main" xmlns:r="http://schemas.openxmlformats.org/officeDocument/2006/relationships" xmlns:p="http://schemas.openxmlformats.org/presentationml/2006/main">
   <p:cSld>
     <p:bg>
       <p:bgPr>
@@ -5117,23 +6528,53 @@
                 <a:solidFill>
                   <a:srgbClr val="003366"/>
                 </a:solidFill>
-                <a:latin typeface="Microsoft YaHei"/>
+                <a:latin typeface="微软雅黑" panose="020B0503020204020204" charset="-122"/>
               </a:rPr>
-              <a:t>性能结果</a:t>
-            </a:r>
-          </a:p>
-        </p:txBody>
-      </p:sp>
-      <p:sp>
-        <p:nvSpPr>
-          <p:cNvPr id="3" name="TextBox 2"/>
+              <a:t>标记检测结果</a:t>
+            </a:r>
+            <a:endParaRPr sz="3200" b="1">
+              <a:solidFill>
+                <a:srgbClr val="003366"/>
+              </a:solidFill>
+              <a:latin typeface="微软雅黑" panose="020B0503020204020204" charset="-122"/>
+            </a:endParaRPr>
+          </a:p>
+        </p:txBody>
+      </p:sp>
+      <p:pic>
+        <p:nvPicPr>
+          <p:cNvPr id="3" name="Picture 2" descr="cooking-pot_normal_01_marked.jpg"/>
+          <p:cNvPicPr>
+            <a:picLocks noChangeAspect="1"/>
+          </p:cNvPicPr>
+          <p:nvPr/>
+        </p:nvPicPr>
+        <p:blipFill>
+          <a:blip r:embed="rId1"/>
+          <a:stretch>
+            <a:fillRect/>
+          </a:stretch>
+        </p:blipFill>
+        <p:spPr>
+          <a:xfrm>
+            <a:off x="731520" y="1097280"/>
+            <a:ext cx="2725337" cy="2377440"/>
+          </a:xfrm>
+          <a:prstGeom prst="rect">
+            <a:avLst/>
+          </a:prstGeom>
+        </p:spPr>
+      </p:pic>
+      <p:sp>
+        <p:nvSpPr>
+          <p:cNvPr id="4" name="TextBox 3"/>
           <p:cNvSpPr txBox="1"/>
           <p:nvPr/>
         </p:nvSpPr>
         <p:spPr>
           <a:xfrm>
-            <a:off x="1828800" y="1371600"/>
-            <a:ext cx="8229600" cy="731520"/>
+            <a:off x="731520" y="3520440"/>
+            <a:ext cx="2725337" cy="274320"/>
           </a:xfrm>
           <a:prstGeom prst="rect">
             <a:avLst/>
@@ -5148,321 +6589,26 @@
           <a:p>
             <a:pPr algn="ctr"/>
             <a:r>
-              <a:rPr sz="2400" b="1">
-                <a:solidFill>
-                  <a:srgbClr val="4CAF50"/>
-                </a:solidFill>
-                <a:latin typeface="Microsoft YaHei"/>
+              <a:rPr sz="1000">
+                <a:solidFill>
+                  <a:srgbClr val="505050"/>
+                </a:solidFill>
+                <a:latin typeface="微软雅黑" panose="020B0503020204020204" charset="-122"/>
               </a:rPr>
-              <a:t>训练准确率：100%（40/40张图像）</a:t>
-            </a:r>
-          </a:p>
-        </p:txBody>
-      </p:sp>
-      <p:sp>
-        <p:nvSpPr>
-          <p:cNvPr id="4" name="TextBox 3"/>
-          <p:cNvSpPr txBox="1"/>
-          <p:nvPr/>
-        </p:nvSpPr>
-        <p:spPr>
-          <a:xfrm>
-            <a:off x="1828800" y="2286000"/>
-            <a:ext cx="8229600" cy="731520"/>
-          </a:xfrm>
-          <a:prstGeom prst="rect">
-            <a:avLst/>
-          </a:prstGeom>
-          <a:noFill/>
-        </p:spPr>
-        <p:txBody>
-          <a:bodyPr wrap="none">
-            <a:spAutoFit/>
-          </a:bodyPr>
-          <a:lstStyle/>
-          <a:p>
-            <a:pPr algn="ctr"/>
-            <a:r>
-              <a:rPr sz="2400" b="1">
-                <a:solidFill>
-                  <a:srgbClr val="2196F3"/>
-                </a:solidFill>
-                <a:latin typeface="Microsoft YaHei"/>
-              </a:rPr>
-              <a:t>验证准确率：100%（4/4张图像）</a:t>
-            </a:r>
-          </a:p>
-        </p:txBody>
-      </p:sp>
-      <p:sp>
-        <p:nvSpPr>
-          <p:cNvPr id="5" name="TextBox 4"/>
-          <p:cNvSpPr txBox="1"/>
-          <p:nvPr/>
-        </p:nvSpPr>
-        <p:spPr>
-          <a:xfrm>
-            <a:off x="2743200" y="3383280"/>
-            <a:ext cx="6400800" cy="365760"/>
-          </a:xfrm>
-          <a:prstGeom prst="rect">
-            <a:avLst/>
-          </a:prstGeom>
-          <a:noFill/>
-        </p:spPr>
-        <p:txBody>
-          <a:bodyPr wrap="none">
-            <a:spAutoFit/>
-          </a:bodyPr>
-          <a:lstStyle/>
-          <a:p>
-            <a:r>
-              <a:rPr sz="1600">
-                <a:solidFill>
-                  <a:srgbClr val="3C3C3C"/>
-                </a:solidFill>
-                <a:latin typeface="Microsoft YaHei"/>
-              </a:rPr>
-              <a:t>模型：MobileNet v2</a:t>
-            </a:r>
-          </a:p>
-        </p:txBody>
-      </p:sp>
-      <p:sp>
-        <p:nvSpPr>
-          <p:cNvPr id="6" name="TextBox 5"/>
-          <p:cNvSpPr txBox="1"/>
-          <p:nvPr/>
-        </p:nvSpPr>
-        <p:spPr>
-          <a:xfrm>
-            <a:off x="2743200" y="3840480"/>
-            <a:ext cx="6400800" cy="365760"/>
-          </a:xfrm>
-          <a:prstGeom prst="rect">
-            <a:avLst/>
-          </a:prstGeom>
-          <a:noFill/>
-        </p:spPr>
-        <p:txBody>
-          <a:bodyPr wrap="none">
-            <a:spAutoFit/>
-          </a:bodyPr>
-          <a:lstStyle/>
-          <a:p>
-            <a:r>
-              <a:rPr sz="1600">
-                <a:solidFill>
-                  <a:srgbClr val="3C3C3C"/>
-                </a:solidFill>
-                <a:latin typeface="Microsoft YaHei"/>
-              </a:rPr>
-              <a:t>参数：350万（比ResNet18少68%）</a:t>
-            </a:r>
-          </a:p>
-        </p:txBody>
-      </p:sp>
-      <p:sp>
-        <p:nvSpPr>
-          <p:cNvPr id="7" name="TextBox 6"/>
-          <p:cNvSpPr txBox="1"/>
-          <p:nvPr/>
-        </p:nvSpPr>
-        <p:spPr>
-          <a:xfrm>
-            <a:off x="2743200" y="4297680"/>
-            <a:ext cx="6400800" cy="365760"/>
-          </a:xfrm>
-          <a:prstGeom prst="rect">
-            <a:avLst/>
-          </a:prstGeom>
-          <a:noFill/>
-        </p:spPr>
-        <p:txBody>
-          <a:bodyPr wrap="none">
-            <a:spAutoFit/>
-          </a:bodyPr>
-          <a:lstStyle/>
-          <a:p>
-            <a:r>
-              <a:rPr sz="1600">
-                <a:solidFill>
-                  <a:srgbClr val="3C3C3C"/>
-                </a:solidFill>
-                <a:latin typeface="Microsoft YaHei"/>
-              </a:rPr>
-              <a:t>训练：200轮，批次大小4</a:t>
-            </a:r>
-          </a:p>
-        </p:txBody>
-      </p:sp>
-      <p:sp>
-        <p:nvSpPr>
-          <p:cNvPr id="8" name="TextBox 7"/>
-          <p:cNvSpPr txBox="1"/>
-          <p:nvPr/>
-        </p:nvSpPr>
-        <p:spPr>
-          <a:xfrm>
-            <a:off x="2743200" y="4754880"/>
-            <a:ext cx="6400800" cy="365760"/>
-          </a:xfrm>
-          <a:prstGeom prst="rect">
-            <a:avLst/>
-          </a:prstGeom>
-          <a:noFill/>
-        </p:spPr>
-        <p:txBody>
-          <a:bodyPr wrap="none">
-            <a:spAutoFit/>
-          </a:bodyPr>
-          <a:lstStyle/>
-          <a:p>
-            <a:r>
-              <a:rPr sz="1600">
-                <a:solidFill>
-                  <a:srgbClr val="3C3C3C"/>
-                </a:solidFill>
-                <a:latin typeface="Microsoft YaHei"/>
-              </a:rPr>
-              <a:t>检测：混合圆形+YOLO方法</a:t>
-            </a:r>
-          </a:p>
-        </p:txBody>
-      </p:sp>
-      <p:sp>
-        <p:nvSpPr>
-          <p:cNvPr id="9" name="TextBox 8"/>
-          <p:cNvSpPr txBox="1"/>
-          <p:nvPr/>
-        </p:nvSpPr>
-        <p:spPr>
-          <a:xfrm>
-            <a:off x="914400" y="5394960"/>
-            <a:ext cx="10058400" cy="365760"/>
-          </a:xfrm>
-          <a:prstGeom prst="rect">
-            <a:avLst/>
-          </a:prstGeom>
-          <a:noFill/>
-        </p:spPr>
-        <p:txBody>
-          <a:bodyPr wrap="none">
-            <a:spAutoFit/>
-          </a:bodyPr>
-          <a:lstStyle/>
-          <a:p>
-            <a:pPr algn="ctr"/>
-            <a:r>
-              <a:rPr sz="1800" b="1">
-                <a:solidFill>
-                  <a:srgbClr val="003366"/>
-                </a:solidFill>
-                <a:latin typeface="Microsoft YaHei"/>
-              </a:rPr>
-              <a:t>最新预测结果：</a:t>
-            </a:r>
-          </a:p>
-        </p:txBody>
-      </p:sp>
-      <p:sp>
-        <p:nvSpPr>
-          <p:cNvPr id="10" name="TextBox 9"/>
-          <p:cNvSpPr txBox="1"/>
-          <p:nvPr/>
-        </p:nvSpPr>
-        <p:spPr>
-          <a:xfrm>
-            <a:off x="1828800" y="5852160"/>
-            <a:ext cx="8229600" cy="274320"/>
-          </a:xfrm>
-          <a:prstGeom prst="rect">
-            <a:avLst/>
-          </a:prstGeom>
-          <a:noFill/>
-        </p:spPr>
-        <p:txBody>
-          <a:bodyPr wrap="none">
-            <a:spAutoFit/>
-          </a:bodyPr>
-          <a:lstStyle/>
-          <a:p>
-            <a:r>
-              <a:rPr sz="1200">
-                <a:solidFill>
-                  <a:srgbClr val="3C3C3C"/>
-                </a:solidFill>
-                <a:latin typeface="Microsoft YaHei"/>
-              </a:rPr>
-              <a:t>cooking-pot_normal_01.jpg: 正常 (置信度: 0.362)</a:t>
-            </a:r>
-          </a:p>
-        </p:txBody>
-      </p:sp>
-    </p:spTree>
-  </p:cSld>
-  <p:clrMapOvr>
-    <a:masterClrMapping/>
-  </p:clrMapOvr>
-</p:sld>
-</file>
-
-<file path=ppt/slides/slide6.xml><?xml version="1.0" encoding="utf-8"?>
-<p:sld xmlns:a="http://schemas.openxmlformats.org/drawingml/2006/main" xmlns:p="http://schemas.openxmlformats.org/presentationml/2006/main" xmlns:r="http://schemas.openxmlformats.org/officeDocument/2006/relationships">
-  <p:cSld>
-    <p:bg>
-      <p:bgPr>
-        <a:solidFill>
-          <a:srgbClr val="FAFAFA"/>
-        </a:solidFill>
-        <a:effectLst/>
-      </p:bgPr>
-    </p:bg>
-    <p:spTree>
-      <p:nvGrpSpPr>
-        <p:cNvPr id="1" name=""/>
-        <p:cNvGrpSpPr/>
-        <p:nvPr/>
-      </p:nvGrpSpPr>
-      <p:grpSpPr/>
-      <p:sp>
-        <p:nvSpPr>
-          <p:cNvPr id="2" name="TextBox 1"/>
-          <p:cNvSpPr txBox="1"/>
-          <p:nvPr/>
-        </p:nvSpPr>
-        <p:spPr>
-          <a:xfrm>
-            <a:off x="457200" y="274320"/>
-            <a:ext cx="11274552" cy="548640"/>
-          </a:xfrm>
-          <a:prstGeom prst="rect">
-            <a:avLst/>
-          </a:prstGeom>
-          <a:noFill/>
-        </p:spPr>
-        <p:txBody>
-          <a:bodyPr wrap="none">
-            <a:spAutoFit/>
-          </a:bodyPr>
-          <a:lstStyle/>
-          <a:p>
-            <a:pPr algn="ctr"/>
-            <a:r>
-              <a:rPr sz="3200" b="1">
-                <a:solidFill>
-                  <a:srgbClr val="003366"/>
-                </a:solidFill>
-                <a:latin typeface="Microsoft YaHei"/>
-              </a:rPr>
-              <a:t>标记检测结果</a:t>
-            </a:r>
+              <a:t>cooking-pot normal 01</a:t>
+            </a:r>
+            <a:endParaRPr sz="1000">
+              <a:solidFill>
+                <a:srgbClr val="505050"/>
+              </a:solidFill>
+              <a:latin typeface="微软雅黑" panose="020B0503020204020204" charset="-122"/>
+            </a:endParaRPr>
           </a:p>
         </p:txBody>
       </p:sp>
       <p:pic>
         <p:nvPicPr>
-          <p:cNvPr id="3" name="Picture 2" descr="cooking-pot_normal_01_marked.jpg"/>
+          <p:cNvPr id="5" name="Picture 4" descr="frying-pan_boiling_01_marked.jpg"/>
           <p:cNvPicPr>
             <a:picLocks noChangeAspect="1"/>
           </p:cNvPicPr>
@@ -5476,7 +6622,7 @@
         </p:blipFill>
         <p:spPr>
           <a:xfrm>
-            <a:off x="731520" y="1097280"/>
+            <a:off x="6583680" y="1097280"/>
             <a:ext cx="2725337" cy="2377440"/>
           </a:xfrm>
           <a:prstGeom prst="rect">
@@ -5486,13 +6632,13 @@
       </p:pic>
       <p:sp>
         <p:nvSpPr>
-          <p:cNvPr id="4" name="TextBox 3"/>
+          <p:cNvPr id="6" name="TextBox 5"/>
           <p:cNvSpPr txBox="1"/>
           <p:nvPr/>
         </p:nvSpPr>
         <p:spPr>
           <a:xfrm>
-            <a:off x="731520" y="3520440"/>
+            <a:off x="6583680" y="3520440"/>
             <a:ext cx="2725337" cy="274320"/>
           </a:xfrm>
           <a:prstGeom prst="rect">
@@ -5512,16 +6658,22 @@
                 <a:solidFill>
                   <a:srgbClr val="505050"/>
                 </a:solidFill>
-                <a:latin typeface="Microsoft YaHei"/>
+                <a:latin typeface="微软雅黑" panose="020B0503020204020204" charset="-122"/>
               </a:rPr>
-              <a:t>cooking-pot normal 01</a:t>
-            </a:r>
+              <a:t>frying-pan boiling 01</a:t>
+            </a:r>
+            <a:endParaRPr sz="1000">
+              <a:solidFill>
+                <a:srgbClr val="505050"/>
+              </a:solidFill>
+              <a:latin typeface="微软雅黑" panose="020B0503020204020204" charset="-122"/>
+            </a:endParaRPr>
           </a:p>
         </p:txBody>
       </p:sp>
       <p:pic>
         <p:nvPicPr>
-          <p:cNvPr id="5" name="Picture 4" descr="frying-pan_boiling_01_marked.jpg"/>
+          <p:cNvPr id="7" name="Picture 6" descr="frying-pan_on-fire_01_marked.jpg"/>
           <p:cNvPicPr>
             <a:picLocks noChangeAspect="1"/>
           </p:cNvPicPr>
@@ -5535,7 +6687,7 @@
         </p:blipFill>
         <p:spPr>
           <a:xfrm>
-            <a:off x="6583680" y="1097280"/>
+            <a:off x="731520" y="3840480"/>
             <a:ext cx="2725337" cy="2377440"/>
           </a:xfrm>
           <a:prstGeom prst="rect">
@@ -5545,13 +6697,13 @@
       </p:pic>
       <p:sp>
         <p:nvSpPr>
-          <p:cNvPr id="6" name="TextBox 5"/>
+          <p:cNvPr id="8" name="TextBox 7"/>
           <p:cNvSpPr txBox="1"/>
           <p:nvPr/>
         </p:nvSpPr>
         <p:spPr>
           <a:xfrm>
-            <a:off x="6583680" y="3520440"/>
+            <a:off x="731520" y="6263640"/>
             <a:ext cx="2725337" cy="274320"/>
           </a:xfrm>
           <a:prstGeom prst="rect">
@@ -5571,16 +6723,22 @@
                 <a:solidFill>
                   <a:srgbClr val="505050"/>
                 </a:solidFill>
-                <a:latin typeface="Microsoft YaHei"/>
+                <a:latin typeface="微软雅黑" panose="020B0503020204020204" charset="-122"/>
               </a:rPr>
-              <a:t>frying-pan boiling 01</a:t>
-            </a:r>
+              <a:t>frying-pan on-fire 01</a:t>
+            </a:r>
+            <a:endParaRPr sz="1000">
+              <a:solidFill>
+                <a:srgbClr val="505050"/>
+              </a:solidFill>
+              <a:latin typeface="微软雅黑" panose="020B0503020204020204" charset="-122"/>
+            </a:endParaRPr>
           </a:p>
         </p:txBody>
       </p:sp>
       <p:pic>
         <p:nvPicPr>
-          <p:cNvPr id="7" name="Picture 6" descr="frying-pan_on-fire_01_marked.jpg"/>
+          <p:cNvPr id="9" name="Picture 8" descr="frying-pan_smoking_01_marked.jpg"/>
           <p:cNvPicPr>
             <a:picLocks noChangeAspect="1"/>
           </p:cNvPicPr>
@@ -5594,7 +6752,7 @@
         </p:blipFill>
         <p:spPr>
           <a:xfrm>
-            <a:off x="731520" y="3840480"/>
+            <a:off x="6583680" y="3840480"/>
             <a:ext cx="2725337" cy="2377440"/>
           </a:xfrm>
           <a:prstGeom prst="rect">
@@ -5604,13 +6762,13 @@
       </p:pic>
       <p:sp>
         <p:nvSpPr>
-          <p:cNvPr id="8" name="TextBox 7"/>
+          <p:cNvPr id="10" name="TextBox 9"/>
           <p:cNvSpPr txBox="1"/>
           <p:nvPr/>
         </p:nvSpPr>
         <p:spPr>
           <a:xfrm>
-            <a:off x="731520" y="6263640"/>
+            <a:off x="6583680" y="6263640"/>
             <a:ext cx="2725337" cy="274320"/>
           </a:xfrm>
           <a:prstGeom prst="rect">
@@ -5630,69 +6788,16 @@
                 <a:solidFill>
                   <a:srgbClr val="505050"/>
                 </a:solidFill>
-                <a:latin typeface="Microsoft YaHei"/>
-              </a:rPr>
-              <a:t>frying-pan on-fire 01</a:t>
-            </a:r>
-          </a:p>
-        </p:txBody>
-      </p:sp>
-      <p:pic>
-        <p:nvPicPr>
-          <p:cNvPr id="9" name="Picture 8" descr="frying-pan_smoking_01_marked.jpg"/>
-          <p:cNvPicPr>
-            <a:picLocks noChangeAspect="1"/>
-          </p:cNvPicPr>
-          <p:nvPr/>
-        </p:nvPicPr>
-        <p:blipFill>
-          <a:blip r:embed="rId5"/>
-          <a:stretch>
-            <a:fillRect/>
-          </a:stretch>
-        </p:blipFill>
-        <p:spPr>
-          <a:xfrm>
-            <a:off x="6583680" y="3840480"/>
-            <a:ext cx="2725337" cy="2377440"/>
-          </a:xfrm>
-          <a:prstGeom prst="rect">
-            <a:avLst/>
-          </a:prstGeom>
-        </p:spPr>
-      </p:pic>
-      <p:sp>
-        <p:nvSpPr>
-          <p:cNvPr id="10" name="TextBox 9"/>
-          <p:cNvSpPr txBox="1"/>
-          <p:nvPr/>
-        </p:nvSpPr>
-        <p:spPr>
-          <a:xfrm>
-            <a:off x="6583680" y="6263640"/>
-            <a:ext cx="2725337" cy="274320"/>
-          </a:xfrm>
-          <a:prstGeom prst="rect">
-            <a:avLst/>
-          </a:prstGeom>
-          <a:noFill/>
-        </p:spPr>
-        <p:txBody>
-          <a:bodyPr wrap="none">
-            <a:spAutoFit/>
-          </a:bodyPr>
-          <a:lstStyle/>
-          <a:p>
-            <a:pPr algn="ctr"/>
-            <a:r>
-              <a:rPr sz="1000">
-                <a:solidFill>
-                  <a:srgbClr val="505050"/>
-                </a:solidFill>
-                <a:latin typeface="Microsoft YaHei"/>
+                <a:latin typeface="微软雅黑" panose="020B0503020204020204" charset="-122"/>
               </a:rPr>
               <a:t>frying-pan smoking 01</a:t>
             </a:r>
+            <a:endParaRPr sz="1000">
+              <a:solidFill>
+                <a:srgbClr val="505050"/>
+              </a:solidFill>
+              <a:latin typeface="微软雅黑" panose="020B0503020204020204" charset="-122"/>
+            </a:endParaRPr>
           </a:p>
         </p:txBody>
       </p:sp>
@@ -5702,6 +6807,144 @@
     <a:masterClrMapping/>
   </p:clrMapOvr>
 </p:sld>
+</file>
+
+<file path=ppt/tags/tag1.xml><?xml version="1.0" encoding="utf-8"?>
+<p:tagLst xmlns:p="http://schemas.openxmlformats.org/presentationml/2006/main">
+  <p:tag name="KSO_WM_DIAGRAM_VIRTUALLY_FRAME" val="{&quot;height&quot;:187.2,&quot;left&quot;:119.88,&quot;top&quot;:144,&quot;width&quot;:719.9999999999999}"/>
+</p:tagLst>
+</file>
+
+<file path=ppt/tags/tag10.xml><?xml version="1.0" encoding="utf-8"?>
+<p:tagLst xmlns:p="http://schemas.openxmlformats.org/presentationml/2006/main">
+  <p:tag name="KSO_WM_DIAGRAM_VIRTUALLY_FRAME" val="{&quot;height&quot;:187.2,&quot;left&quot;:119.88,&quot;top&quot;:144,&quot;width&quot;:719.9999999999999}"/>
+</p:tagLst>
+</file>
+
+<file path=ppt/tags/tag11.xml><?xml version="1.0" encoding="utf-8"?>
+<p:tagLst xmlns:p="http://schemas.openxmlformats.org/presentationml/2006/main">
+  <p:tag name="KSO_WM_DIAGRAM_VIRTUALLY_FRAME" val="{&quot;height&quot;:187.2,&quot;left&quot;:119.88,&quot;top&quot;:144,&quot;width&quot;:719.9999999999999}"/>
+</p:tagLst>
+</file>
+
+<file path=ppt/tags/tag12.xml><?xml version="1.0" encoding="utf-8"?>
+<p:tagLst xmlns:p="http://schemas.openxmlformats.org/presentationml/2006/main">
+  <p:tag name="KSO_WM_DIAGRAM_VIRTUALLY_FRAME" val="{&quot;height&quot;:165.6,&quot;left&quot;:324,&quot;top&quot;:223.2,&quot;width&quot;:324}"/>
+</p:tagLst>
+</file>
+
+<file path=ppt/tags/tag13.xml><?xml version="1.0" encoding="utf-8"?>
+<p:tagLst xmlns:p="http://schemas.openxmlformats.org/presentationml/2006/main">
+  <p:tag name="KSO_WM_DIAGRAM_VIRTUALLY_FRAME" val="{&quot;height&quot;:165.6,&quot;left&quot;:324,&quot;top&quot;:223.2,&quot;width&quot;:324}"/>
+</p:tagLst>
+</file>
+
+<file path=ppt/tags/tag14.xml><?xml version="1.0" encoding="utf-8"?>
+<p:tagLst xmlns:p="http://schemas.openxmlformats.org/presentationml/2006/main">
+  <p:tag name="KSO_WM_DIAGRAM_VIRTUALLY_FRAME" val="{&quot;height&quot;:165.6,&quot;left&quot;:324,&quot;top&quot;:223.2,&quot;width&quot;:324}"/>
+</p:tagLst>
+</file>
+
+<file path=ppt/tags/tag15.xml><?xml version="1.0" encoding="utf-8"?>
+<p:tagLst xmlns:p="http://schemas.openxmlformats.org/presentationml/2006/main">
+  <p:tag name="KSO_WM_DIAGRAM_VIRTUALLY_FRAME" val="{&quot;height&quot;:165.6,&quot;left&quot;:324,&quot;top&quot;:223.2,&quot;width&quot;:324}"/>
+</p:tagLst>
+</file>
+
+<file path=ppt/tags/tag16.xml><?xml version="1.0" encoding="utf-8"?>
+<p:tagLst xmlns:p="http://schemas.openxmlformats.org/presentationml/2006/main">
+  <p:tag name="KSO_WM_DIAGRAM_VIRTUALLY_FRAME" val="{&quot;height&quot;:165.6,&quot;left&quot;:324,&quot;top&quot;:223.2,&quot;width&quot;:324}"/>
+</p:tagLst>
+</file>
+
+<file path=ppt/tags/tag17.xml><?xml version="1.0" encoding="utf-8"?>
+<p:tagLst xmlns:p="http://schemas.openxmlformats.org/presentationml/2006/main">
+  <p:tag name="KSO_WM_DIAGRAM_VIRTUALLY_FRAME" val="{&quot;height&quot;:165.6,&quot;left&quot;:324,&quot;top&quot;:223.2,&quot;width&quot;:324}"/>
+</p:tagLst>
+</file>
+
+<file path=ppt/tags/tag18.xml><?xml version="1.0" encoding="utf-8"?>
+<p:tagLst xmlns:p="http://schemas.openxmlformats.org/presentationml/2006/main">
+  <p:tag name="KSO_WM_DIAGRAM_VIRTUALLY_FRAME" val="{&quot;height&quot;:165.6,&quot;left&quot;:324,&quot;top&quot;:223.2,&quot;width&quot;:324}"/>
+</p:tagLst>
+</file>
+
+<file path=ppt/tags/tag19.xml><?xml version="1.0" encoding="utf-8"?>
+<p:tagLst xmlns:p="http://schemas.openxmlformats.org/presentationml/2006/main">
+  <p:tag name="KSO_WM_DIAGRAM_VIRTUALLY_FRAME" val="{&quot;height&quot;:165.6,&quot;left&quot;:324,&quot;top&quot;:223.2,&quot;width&quot;:324}"/>
+</p:tagLst>
+</file>
+
+<file path=ppt/tags/tag2.xml><?xml version="1.0" encoding="utf-8"?>
+<p:tagLst xmlns:p="http://schemas.openxmlformats.org/presentationml/2006/main">
+  <p:tag name="KSO_WM_DIAGRAM_VIRTUALLY_FRAME" val="{&quot;height&quot;:187.2,&quot;left&quot;:119.88,&quot;top&quot;:144,&quot;width&quot;:719.9999999999999}"/>
+</p:tagLst>
+</file>
+
+<file path=ppt/tags/tag20.xml><?xml version="1.0" encoding="utf-8"?>
+<p:tagLst xmlns:p="http://schemas.openxmlformats.org/presentationml/2006/main">
+  <p:tag name="KSO_WM_DIAGRAM_VIRTUALLY_FRAME" val="{&quot;height&quot;:165.6,&quot;left&quot;:324,&quot;top&quot;:223.2,&quot;width&quot;:324}"/>
+</p:tagLst>
+</file>
+
+<file path=ppt/tags/tag21.xml><?xml version="1.0" encoding="utf-8"?>
+<p:tagLst xmlns:p="http://schemas.openxmlformats.org/presentationml/2006/main">
+  <p:tag name="KSO_WM_DIAGRAM_VIRTUALLY_FRAME" val="{&quot;height&quot;:165.6,&quot;left&quot;:324,&quot;top&quot;:223.2,&quot;width&quot;:324}"/>
+</p:tagLst>
+</file>
+
+<file path=ppt/tags/tag22.xml><?xml version="1.0" encoding="utf-8"?>
+<p:tagLst xmlns:p="http://schemas.openxmlformats.org/presentationml/2006/main">
+  <p:tag name="KSO_WM_DIAGRAM_VIRTUALLY_FRAME" val="{&quot;height&quot;:165.6,&quot;left&quot;:324,&quot;top&quot;:223.2,&quot;width&quot;:324}"/>
+</p:tagLst>
+</file>
+
+<file path=ppt/tags/tag23.xml><?xml version="1.0" encoding="utf-8"?>
+<p:tagLst xmlns:p="http://schemas.openxmlformats.org/presentationml/2006/main">
+  <p:tag name="KSO_WM_DIAGRAM_VIRTUALLY_FRAME" val="{&quot;height&quot;:165.6,&quot;left&quot;:324,&quot;top&quot;:223.2,&quot;width&quot;:324}"/>
+</p:tagLst>
+</file>
+
+<file path=ppt/tags/tag3.xml><?xml version="1.0" encoding="utf-8"?>
+<p:tagLst xmlns:p="http://schemas.openxmlformats.org/presentationml/2006/main">
+  <p:tag name="KSO_WM_DIAGRAM_VIRTUALLY_FRAME" val="{&quot;height&quot;:187.2,&quot;left&quot;:119.88,&quot;top&quot;:144,&quot;width&quot;:719.9999999999999}"/>
+</p:tagLst>
+</file>
+
+<file path=ppt/tags/tag4.xml><?xml version="1.0" encoding="utf-8"?>
+<p:tagLst xmlns:p="http://schemas.openxmlformats.org/presentationml/2006/main">
+  <p:tag name="KSO_WM_DIAGRAM_VIRTUALLY_FRAME" val="{&quot;height&quot;:187.2,&quot;left&quot;:119.88,&quot;top&quot;:144,&quot;width&quot;:719.9999999999999}"/>
+</p:tagLst>
+</file>
+
+<file path=ppt/tags/tag5.xml><?xml version="1.0" encoding="utf-8"?>
+<p:tagLst xmlns:p="http://schemas.openxmlformats.org/presentationml/2006/main">
+  <p:tag name="KSO_WM_DIAGRAM_VIRTUALLY_FRAME" val="{&quot;height&quot;:187.2,&quot;left&quot;:119.88,&quot;top&quot;:144,&quot;width&quot;:719.9999999999999}"/>
+</p:tagLst>
+</file>
+
+<file path=ppt/tags/tag6.xml><?xml version="1.0" encoding="utf-8"?>
+<p:tagLst xmlns:p="http://schemas.openxmlformats.org/presentationml/2006/main">
+  <p:tag name="KSO_WM_DIAGRAM_VIRTUALLY_FRAME" val="{&quot;height&quot;:187.2,&quot;left&quot;:119.88,&quot;top&quot;:144,&quot;width&quot;:719.9999999999999}"/>
+</p:tagLst>
+</file>
+
+<file path=ppt/tags/tag7.xml><?xml version="1.0" encoding="utf-8"?>
+<p:tagLst xmlns:p="http://schemas.openxmlformats.org/presentationml/2006/main">
+  <p:tag name="KSO_WM_DIAGRAM_VIRTUALLY_FRAME" val="{&quot;height&quot;:187.2,&quot;left&quot;:119.88,&quot;top&quot;:144,&quot;width&quot;:719.9999999999999}"/>
+</p:tagLst>
+</file>
+
+<file path=ppt/tags/tag8.xml><?xml version="1.0" encoding="utf-8"?>
+<p:tagLst xmlns:p="http://schemas.openxmlformats.org/presentationml/2006/main">
+  <p:tag name="KSO_WM_DIAGRAM_VIRTUALLY_FRAME" val="{&quot;height&quot;:187.2,&quot;left&quot;:119.88,&quot;top&quot;:144,&quot;width&quot;:719.9999999999999}"/>
+</p:tagLst>
+</file>
+
+<file path=ppt/tags/tag9.xml><?xml version="1.0" encoding="utf-8"?>
+<p:tagLst xmlns:p="http://schemas.openxmlformats.org/presentationml/2006/main">
+  <p:tag name="KSO_WM_DIAGRAM_VIRTUALLY_FRAME" val="{&quot;height&quot;:187.2,&quot;left&quot;:119.88,&quot;top&quot;:144,&quot;width&quot;:719.9999999999999}"/>
+</p:tagLst>
 </file>
 
 <file path=ppt/theme/theme1.xml><?xml version="1.0" encoding="utf-8"?>
@@ -6020,6 +7263,10 @@
       </a:style>
     </a:lnDef>
   </a:objectDefaults>
-  <a:extraClrSchemeLst/>
+  <a:extLst>
+    <a:ext uri="{05A4C25C-085E-4340-85A3-A5531E510DB2}">
+      <thm15:themeFamily xmlns:thm15="http://schemas.microsoft.com/office/thememl/2012/main" name="Office Theme" id="{62F939B6-93AF-4DB8-9C6B-D6C7DFDC589F}" vid="{4A3C46E8-61CC-4603-A589-7422A47A8E4A}"/>
+    </a:ext>
+  </a:extLst>
 </a:theme>
 </file>